--- a/analysis/figure/compute_vs_performance.pptx
+++ b/analysis/figure/compute_vs_performance.pptx
@@ -2,12 +2,12 @@
 <file path=ppt/presentation.xml><?xml version="1.0" encoding="utf-8"?>
 <p:presentation xmlns:a="http://schemas.openxmlformats.org/drawingml/2006/main" xmlns:r="http://schemas.openxmlformats.org/officeDocument/2006/relationships" xmlns:p="http://schemas.openxmlformats.org/presentationml/2006/main" saveSubsetFonts="1" autoCompressPictures="0">
   <p:sldMasterIdLst>
-    <p:sldMasterId id="2147483768" r:id="rId1"/>
+    <p:sldMasterId id="2147483828" r:id="rId1"/>
   </p:sldMasterIdLst>
   <p:sldIdLst>
     <p:sldId id="256" r:id="rId2"/>
   </p:sldIdLst>
-  <p:sldSz cx="3600450" cy="2286000"/>
+  <p:sldSz cx="3719513" cy="2232025"/>
   <p:notesSz cx="6858000" cy="9144000"/>
   <p:defaultTextStyle>
     <a:defPPr>
@@ -107,12 +107,12 @@
   <p:extLst>
     <p:ext uri="{EFAFB233-063F-42B5-8137-9DF3F51BA10A}">
       <p15:sldGuideLst xmlns:p15="http://schemas.microsoft.com/office/powerpoint/2012/main">
-        <p15:guide id="1" orient="horz" pos="721" userDrawn="1">
+        <p15:guide id="1" orient="horz" pos="704" userDrawn="1">
           <p15:clr>
             <a:srgbClr val="A4A3A4"/>
           </p15:clr>
         </p15:guide>
-        <p15:guide id="2" pos="1136" userDrawn="1">
+        <p15:guide id="2" pos="1172" userDrawn="1">
           <p15:clr>
             <a:srgbClr val="A4A3A4"/>
           </p15:clr>
@@ -152,15 +152,15 @@
         </p:nvSpPr>
         <p:spPr>
           <a:xfrm>
-            <a:off x="450056" y="374121"/>
-            <a:ext cx="2700338" cy="795867"/>
+            <a:off x="464939" y="365288"/>
+            <a:ext cx="2789635" cy="777075"/>
           </a:xfrm>
         </p:spPr>
         <p:txBody>
           <a:bodyPr anchor="b"/>
           <a:lstStyle>
             <a:lvl1pPr algn="ctr">
-              <a:defRPr sz="1772"/>
+              <a:defRPr sz="1831"/>
             </a:lvl1pPr>
           </a:lstStyle>
           <a:p>
@@ -184,8 +184,8 @@
         </p:nvSpPr>
         <p:spPr>
           <a:xfrm>
-            <a:off x="450056" y="1200679"/>
-            <a:ext cx="2700338" cy="551921"/>
+            <a:off x="464939" y="1172330"/>
+            <a:ext cx="2789635" cy="538889"/>
           </a:xfrm>
         </p:spPr>
         <p:txBody>
@@ -193,39 +193,39 @@
           <a:lstStyle>
             <a:lvl1pPr marL="0" indent="0" algn="ctr">
               <a:buNone/>
-              <a:defRPr sz="709"/>
+              <a:defRPr sz="732"/>
             </a:lvl1pPr>
-            <a:lvl2pPr marL="135011" indent="0" algn="ctr">
-              <a:buNone/>
-              <a:defRPr sz="591"/>
+            <a:lvl2pPr marL="139492" indent="0" algn="ctr">
+              <a:buNone/>
+              <a:defRPr sz="610"/>
             </a:lvl2pPr>
-            <a:lvl3pPr marL="270022" indent="0" algn="ctr">
-              <a:buNone/>
-              <a:defRPr sz="532"/>
+            <a:lvl3pPr marL="278983" indent="0" algn="ctr">
+              <a:buNone/>
+              <a:defRPr sz="549"/>
             </a:lvl3pPr>
-            <a:lvl4pPr marL="405033" indent="0" algn="ctr">
-              <a:buNone/>
-              <a:defRPr sz="472"/>
+            <a:lvl4pPr marL="418475" indent="0" algn="ctr">
+              <a:buNone/>
+              <a:defRPr sz="488"/>
             </a:lvl4pPr>
-            <a:lvl5pPr marL="540045" indent="0" algn="ctr">
-              <a:buNone/>
-              <a:defRPr sz="472"/>
+            <a:lvl5pPr marL="557967" indent="0" algn="ctr">
+              <a:buNone/>
+              <a:defRPr sz="488"/>
             </a:lvl5pPr>
-            <a:lvl6pPr marL="675056" indent="0" algn="ctr">
-              <a:buNone/>
-              <a:defRPr sz="472"/>
+            <a:lvl6pPr marL="697459" indent="0" algn="ctr">
+              <a:buNone/>
+              <a:defRPr sz="488"/>
             </a:lvl6pPr>
-            <a:lvl7pPr marL="810067" indent="0" algn="ctr">
-              <a:buNone/>
-              <a:defRPr sz="472"/>
+            <a:lvl7pPr marL="836950" indent="0" algn="ctr">
+              <a:buNone/>
+              <a:defRPr sz="488"/>
             </a:lvl7pPr>
-            <a:lvl8pPr marL="945078" indent="0" algn="ctr">
-              <a:buNone/>
-              <a:defRPr sz="472"/>
+            <a:lvl8pPr marL="976442" indent="0" algn="ctr">
+              <a:buNone/>
+              <a:defRPr sz="488"/>
             </a:lvl8pPr>
-            <a:lvl9pPr marL="1080089" indent="0" algn="ctr">
-              <a:buNone/>
-              <a:defRPr sz="472"/>
+            <a:lvl9pPr marL="1115934" indent="0" algn="ctr">
+              <a:buNone/>
+              <a:defRPr sz="488"/>
             </a:lvl9pPr>
           </a:lstStyle>
           <a:p>
@@ -254,7 +254,7 @@
           <a:p>
             <a:fld id="{F464B299-6CB9-D24A-96F2-2CC94620154A}" type="datetimeFigureOut">
               <a:rPr kumimoji="1" lang="ko-Kore-KR" altLang="en-US" smtClean="0"/>
-              <a:t>2025. 1. 30.</a:t>
+              <a:t>2025. 2. 11.</a:t>
             </a:fld>
             <a:endParaRPr kumimoji="1" lang="ko-Kore-KR" altLang="en-US"/>
           </a:p>
@@ -305,7 +305,7 @@
     </p:spTree>
     <p:extLst>
       <p:ext uri="{BB962C8B-B14F-4D97-AF65-F5344CB8AC3E}">
-        <p14:creationId xmlns:p14="http://schemas.microsoft.com/office/powerpoint/2010/main" val="2288988613"/>
+        <p14:creationId xmlns:p14="http://schemas.microsoft.com/office/powerpoint/2010/main" val="3061181229"/>
       </p:ext>
     </p:extLst>
   </p:cSld>
@@ -424,7 +424,7 @@
           <a:p>
             <a:fld id="{F464B299-6CB9-D24A-96F2-2CC94620154A}" type="datetimeFigureOut">
               <a:rPr kumimoji="1" lang="ko-Kore-KR" altLang="en-US" smtClean="0"/>
-              <a:t>2025. 1. 30.</a:t>
+              <a:t>2025. 2. 11.</a:t>
             </a:fld>
             <a:endParaRPr kumimoji="1" lang="ko-Kore-KR" altLang="en-US"/>
           </a:p>
@@ -475,7 +475,7 @@
     </p:spTree>
     <p:extLst>
       <p:ext uri="{BB962C8B-B14F-4D97-AF65-F5344CB8AC3E}">
-        <p14:creationId xmlns:p14="http://schemas.microsoft.com/office/powerpoint/2010/main" val="2841288890"/>
+        <p14:creationId xmlns:p14="http://schemas.microsoft.com/office/powerpoint/2010/main" val="3949571977"/>
       </p:ext>
     </p:extLst>
   </p:cSld>
@@ -514,8 +514,8 @@
         </p:nvSpPr>
         <p:spPr>
           <a:xfrm>
-            <a:off x="2576572" y="121709"/>
-            <a:ext cx="776347" cy="1937279"/>
+            <a:off x="2661776" y="118835"/>
+            <a:ext cx="802020" cy="1891538"/>
           </a:xfrm>
         </p:spPr>
         <p:txBody>
@@ -542,8 +542,8 @@
         </p:nvSpPr>
         <p:spPr>
           <a:xfrm>
-            <a:off x="247531" y="121709"/>
-            <a:ext cx="2284035" cy="1937279"/>
+            <a:off x="255717" y="118835"/>
+            <a:ext cx="2359566" cy="1891538"/>
           </a:xfrm>
         </p:spPr>
         <p:txBody>
@@ -604,7 +604,7 @@
           <a:p>
             <a:fld id="{F464B299-6CB9-D24A-96F2-2CC94620154A}" type="datetimeFigureOut">
               <a:rPr kumimoji="1" lang="ko-Kore-KR" altLang="en-US" smtClean="0"/>
-              <a:t>2025. 1. 30.</a:t>
+              <a:t>2025. 2. 11.</a:t>
             </a:fld>
             <a:endParaRPr kumimoji="1" lang="ko-Kore-KR" altLang="en-US"/>
           </a:p>
@@ -655,7 +655,7 @@
     </p:spTree>
     <p:extLst>
       <p:ext uri="{BB962C8B-B14F-4D97-AF65-F5344CB8AC3E}">
-        <p14:creationId xmlns:p14="http://schemas.microsoft.com/office/powerpoint/2010/main" val="3037235883"/>
+        <p14:creationId xmlns:p14="http://schemas.microsoft.com/office/powerpoint/2010/main" val="3667080730"/>
       </p:ext>
     </p:extLst>
   </p:cSld>
@@ -774,7 +774,7 @@
           <a:p>
             <a:fld id="{F464B299-6CB9-D24A-96F2-2CC94620154A}" type="datetimeFigureOut">
               <a:rPr kumimoji="1" lang="ko-Kore-KR" altLang="en-US" smtClean="0"/>
-              <a:t>2025. 1. 30.</a:t>
+              <a:t>2025. 2. 11.</a:t>
             </a:fld>
             <a:endParaRPr kumimoji="1" lang="ko-Kore-KR" altLang="en-US"/>
           </a:p>
@@ -825,7 +825,7 @@
     </p:spTree>
     <p:extLst>
       <p:ext uri="{BB962C8B-B14F-4D97-AF65-F5344CB8AC3E}">
-        <p14:creationId xmlns:p14="http://schemas.microsoft.com/office/powerpoint/2010/main" val="1891120622"/>
+        <p14:creationId xmlns:p14="http://schemas.microsoft.com/office/powerpoint/2010/main" val="1777588363"/>
       </p:ext>
     </p:extLst>
   </p:cSld>
@@ -864,15 +864,15 @@
         </p:nvSpPr>
         <p:spPr>
           <a:xfrm>
-            <a:off x="245656" y="569913"/>
-            <a:ext cx="3105388" cy="950912"/>
+            <a:off x="253779" y="556457"/>
+            <a:ext cx="3208080" cy="928460"/>
           </a:xfrm>
         </p:spPr>
         <p:txBody>
           <a:bodyPr anchor="b"/>
           <a:lstStyle>
             <a:lvl1pPr>
-              <a:defRPr sz="1772"/>
+              <a:defRPr sz="1831"/>
             </a:lvl1pPr>
           </a:lstStyle>
           <a:p>
@@ -896,8 +896,8 @@
         </p:nvSpPr>
         <p:spPr>
           <a:xfrm>
-            <a:off x="245656" y="1529821"/>
-            <a:ext cx="3105388" cy="500062"/>
+            <a:off x="253779" y="1493701"/>
+            <a:ext cx="3208080" cy="488255"/>
           </a:xfrm>
         </p:spPr>
         <p:txBody>
@@ -905,7 +905,7 @@
           <a:lstStyle>
             <a:lvl1pPr marL="0" indent="0">
               <a:buNone/>
-              <a:defRPr sz="709">
+              <a:defRPr sz="732">
                 <a:solidFill>
                   <a:schemeClr val="tx1">
                     <a:tint val="75000"/>
@@ -913,9 +913,9 @@
                 </a:solidFill>
               </a:defRPr>
             </a:lvl1pPr>
-            <a:lvl2pPr marL="135011" indent="0">
-              <a:buNone/>
-              <a:defRPr sz="591">
+            <a:lvl2pPr marL="139492" indent="0">
+              <a:buNone/>
+              <a:defRPr sz="610">
                 <a:solidFill>
                   <a:schemeClr val="tx1">
                     <a:tint val="75000"/>
@@ -923,9 +923,9 @@
                 </a:solidFill>
               </a:defRPr>
             </a:lvl2pPr>
-            <a:lvl3pPr marL="270022" indent="0">
-              <a:buNone/>
-              <a:defRPr sz="532">
+            <a:lvl3pPr marL="278983" indent="0">
+              <a:buNone/>
+              <a:defRPr sz="549">
                 <a:solidFill>
                   <a:schemeClr val="tx1">
                     <a:tint val="75000"/>
@@ -933,9 +933,9 @@
                 </a:solidFill>
               </a:defRPr>
             </a:lvl3pPr>
-            <a:lvl4pPr marL="405033" indent="0">
-              <a:buNone/>
-              <a:defRPr sz="472">
+            <a:lvl4pPr marL="418475" indent="0">
+              <a:buNone/>
+              <a:defRPr sz="488">
                 <a:solidFill>
                   <a:schemeClr val="tx1">
                     <a:tint val="75000"/>
@@ -943,9 +943,9 @@
                 </a:solidFill>
               </a:defRPr>
             </a:lvl4pPr>
-            <a:lvl5pPr marL="540045" indent="0">
-              <a:buNone/>
-              <a:defRPr sz="472">
+            <a:lvl5pPr marL="557967" indent="0">
+              <a:buNone/>
+              <a:defRPr sz="488">
                 <a:solidFill>
                   <a:schemeClr val="tx1">
                     <a:tint val="75000"/>
@@ -953,9 +953,9 @@
                 </a:solidFill>
               </a:defRPr>
             </a:lvl5pPr>
-            <a:lvl6pPr marL="675056" indent="0">
-              <a:buNone/>
-              <a:defRPr sz="472">
+            <a:lvl6pPr marL="697459" indent="0">
+              <a:buNone/>
+              <a:defRPr sz="488">
                 <a:solidFill>
                   <a:schemeClr val="tx1">
                     <a:tint val="75000"/>
@@ -963,9 +963,9 @@
                 </a:solidFill>
               </a:defRPr>
             </a:lvl6pPr>
-            <a:lvl7pPr marL="810067" indent="0">
-              <a:buNone/>
-              <a:defRPr sz="472">
+            <a:lvl7pPr marL="836950" indent="0">
+              <a:buNone/>
+              <a:defRPr sz="488">
                 <a:solidFill>
                   <a:schemeClr val="tx1">
                     <a:tint val="75000"/>
@@ -973,9 +973,9 @@
                 </a:solidFill>
               </a:defRPr>
             </a:lvl7pPr>
-            <a:lvl8pPr marL="945078" indent="0">
-              <a:buNone/>
-              <a:defRPr sz="472">
+            <a:lvl8pPr marL="976442" indent="0">
+              <a:buNone/>
+              <a:defRPr sz="488">
                 <a:solidFill>
                   <a:schemeClr val="tx1">
                     <a:tint val="75000"/>
@@ -983,9 +983,9 @@
                 </a:solidFill>
               </a:defRPr>
             </a:lvl8pPr>
-            <a:lvl9pPr marL="1080089" indent="0">
-              <a:buNone/>
-              <a:defRPr sz="472">
+            <a:lvl9pPr marL="1115934" indent="0">
+              <a:buNone/>
+              <a:defRPr sz="488">
                 <a:solidFill>
                   <a:schemeClr val="tx1">
                     <a:tint val="75000"/>
@@ -1020,7 +1020,7 @@
           <a:p>
             <a:fld id="{F464B299-6CB9-D24A-96F2-2CC94620154A}" type="datetimeFigureOut">
               <a:rPr kumimoji="1" lang="ko-Kore-KR" altLang="en-US" smtClean="0"/>
-              <a:t>2025. 1. 30.</a:t>
+              <a:t>2025. 2. 11.</a:t>
             </a:fld>
             <a:endParaRPr kumimoji="1" lang="ko-Kore-KR" altLang="en-US"/>
           </a:p>
@@ -1071,7 +1071,7 @@
     </p:spTree>
     <p:extLst>
       <p:ext uri="{BB962C8B-B14F-4D97-AF65-F5344CB8AC3E}">
-        <p14:creationId xmlns:p14="http://schemas.microsoft.com/office/powerpoint/2010/main" val="874497188"/>
+        <p14:creationId xmlns:p14="http://schemas.microsoft.com/office/powerpoint/2010/main" val="1267697974"/>
       </p:ext>
     </p:extLst>
   </p:cSld>
@@ -1133,8 +1133,8 @@
         </p:nvSpPr>
         <p:spPr>
           <a:xfrm>
-            <a:off x="247531" y="608542"/>
-            <a:ext cx="1530191" cy="1450446"/>
+            <a:off x="255717" y="594174"/>
+            <a:ext cx="1580793" cy="1416199"/>
           </a:xfrm>
         </p:spPr>
         <p:txBody>
@@ -1190,8 +1190,8 @@
         </p:nvSpPr>
         <p:spPr>
           <a:xfrm>
-            <a:off x="1822728" y="608542"/>
-            <a:ext cx="1530191" cy="1450446"/>
+            <a:off x="1883003" y="594174"/>
+            <a:ext cx="1580793" cy="1416199"/>
           </a:xfrm>
         </p:spPr>
         <p:txBody>
@@ -1252,7 +1252,7 @@
           <a:p>
             <a:fld id="{F464B299-6CB9-D24A-96F2-2CC94620154A}" type="datetimeFigureOut">
               <a:rPr kumimoji="1" lang="ko-Kore-KR" altLang="en-US" smtClean="0"/>
-              <a:t>2025. 1. 30.</a:t>
+              <a:t>2025. 2. 11.</a:t>
             </a:fld>
             <a:endParaRPr kumimoji="1" lang="ko-Kore-KR" altLang="en-US"/>
           </a:p>
@@ -1303,7 +1303,7 @@
     </p:spTree>
     <p:extLst>
       <p:ext uri="{BB962C8B-B14F-4D97-AF65-F5344CB8AC3E}">
-        <p14:creationId xmlns:p14="http://schemas.microsoft.com/office/powerpoint/2010/main" val="3549182644"/>
+        <p14:creationId xmlns:p14="http://schemas.microsoft.com/office/powerpoint/2010/main" val="3800913173"/>
       </p:ext>
     </p:extLst>
   </p:cSld>
@@ -1342,8 +1342,8 @@
         </p:nvSpPr>
         <p:spPr>
           <a:xfrm>
-            <a:off x="248000" y="121709"/>
-            <a:ext cx="3105388" cy="441854"/>
+            <a:off x="256201" y="118835"/>
+            <a:ext cx="3208080" cy="431422"/>
           </a:xfrm>
         </p:spPr>
         <p:txBody>
@@ -1370,8 +1370,8 @@
         </p:nvSpPr>
         <p:spPr>
           <a:xfrm>
-            <a:off x="248000" y="560388"/>
-            <a:ext cx="1523159" cy="274637"/>
+            <a:off x="256201" y="547156"/>
+            <a:ext cx="1573528" cy="268153"/>
           </a:xfrm>
         </p:spPr>
         <p:txBody>
@@ -1379,39 +1379,39 @@
           <a:lstStyle>
             <a:lvl1pPr marL="0" indent="0">
               <a:buNone/>
-              <a:defRPr sz="709" b="1"/>
+              <a:defRPr sz="732" b="1"/>
             </a:lvl1pPr>
-            <a:lvl2pPr marL="135011" indent="0">
-              <a:buNone/>
-              <a:defRPr sz="591" b="1"/>
+            <a:lvl2pPr marL="139492" indent="0">
+              <a:buNone/>
+              <a:defRPr sz="610" b="1"/>
             </a:lvl2pPr>
-            <a:lvl3pPr marL="270022" indent="0">
-              <a:buNone/>
-              <a:defRPr sz="532" b="1"/>
+            <a:lvl3pPr marL="278983" indent="0">
+              <a:buNone/>
+              <a:defRPr sz="549" b="1"/>
             </a:lvl3pPr>
-            <a:lvl4pPr marL="405033" indent="0">
-              <a:buNone/>
-              <a:defRPr sz="472" b="1"/>
+            <a:lvl4pPr marL="418475" indent="0">
+              <a:buNone/>
+              <a:defRPr sz="488" b="1"/>
             </a:lvl4pPr>
-            <a:lvl5pPr marL="540045" indent="0">
-              <a:buNone/>
-              <a:defRPr sz="472" b="1"/>
+            <a:lvl5pPr marL="557967" indent="0">
+              <a:buNone/>
+              <a:defRPr sz="488" b="1"/>
             </a:lvl5pPr>
-            <a:lvl6pPr marL="675056" indent="0">
-              <a:buNone/>
-              <a:defRPr sz="472" b="1"/>
+            <a:lvl6pPr marL="697459" indent="0">
+              <a:buNone/>
+              <a:defRPr sz="488" b="1"/>
             </a:lvl6pPr>
-            <a:lvl7pPr marL="810067" indent="0">
-              <a:buNone/>
-              <a:defRPr sz="472" b="1"/>
+            <a:lvl7pPr marL="836950" indent="0">
+              <a:buNone/>
+              <a:defRPr sz="488" b="1"/>
             </a:lvl7pPr>
-            <a:lvl8pPr marL="945078" indent="0">
-              <a:buNone/>
-              <a:defRPr sz="472" b="1"/>
+            <a:lvl8pPr marL="976442" indent="0">
+              <a:buNone/>
+              <a:defRPr sz="488" b="1"/>
             </a:lvl8pPr>
-            <a:lvl9pPr marL="1080089" indent="0">
-              <a:buNone/>
-              <a:defRPr sz="472" b="1"/>
+            <a:lvl9pPr marL="1115934" indent="0">
+              <a:buNone/>
+              <a:defRPr sz="488" b="1"/>
             </a:lvl9pPr>
           </a:lstStyle>
           <a:p>
@@ -1435,8 +1435,8 @@
         </p:nvSpPr>
         <p:spPr>
           <a:xfrm>
-            <a:off x="248000" y="835025"/>
-            <a:ext cx="1523159" cy="1228196"/>
+            <a:off x="256201" y="815309"/>
+            <a:ext cx="1573528" cy="1199197"/>
           </a:xfrm>
         </p:spPr>
         <p:txBody>
@@ -1492,8 +1492,8 @@
         </p:nvSpPr>
         <p:spPr>
           <a:xfrm>
-            <a:off x="1822728" y="560388"/>
-            <a:ext cx="1530660" cy="274637"/>
+            <a:off x="1883004" y="547156"/>
+            <a:ext cx="1581277" cy="268153"/>
           </a:xfrm>
         </p:spPr>
         <p:txBody>
@@ -1501,39 +1501,39 @@
           <a:lstStyle>
             <a:lvl1pPr marL="0" indent="0">
               <a:buNone/>
-              <a:defRPr sz="709" b="1"/>
+              <a:defRPr sz="732" b="1"/>
             </a:lvl1pPr>
-            <a:lvl2pPr marL="135011" indent="0">
-              <a:buNone/>
-              <a:defRPr sz="591" b="1"/>
+            <a:lvl2pPr marL="139492" indent="0">
+              <a:buNone/>
+              <a:defRPr sz="610" b="1"/>
             </a:lvl2pPr>
-            <a:lvl3pPr marL="270022" indent="0">
-              <a:buNone/>
-              <a:defRPr sz="532" b="1"/>
+            <a:lvl3pPr marL="278983" indent="0">
+              <a:buNone/>
+              <a:defRPr sz="549" b="1"/>
             </a:lvl3pPr>
-            <a:lvl4pPr marL="405033" indent="0">
-              <a:buNone/>
-              <a:defRPr sz="472" b="1"/>
+            <a:lvl4pPr marL="418475" indent="0">
+              <a:buNone/>
+              <a:defRPr sz="488" b="1"/>
             </a:lvl4pPr>
-            <a:lvl5pPr marL="540045" indent="0">
-              <a:buNone/>
-              <a:defRPr sz="472" b="1"/>
+            <a:lvl5pPr marL="557967" indent="0">
+              <a:buNone/>
+              <a:defRPr sz="488" b="1"/>
             </a:lvl5pPr>
-            <a:lvl6pPr marL="675056" indent="0">
-              <a:buNone/>
-              <a:defRPr sz="472" b="1"/>
+            <a:lvl6pPr marL="697459" indent="0">
+              <a:buNone/>
+              <a:defRPr sz="488" b="1"/>
             </a:lvl6pPr>
-            <a:lvl7pPr marL="810067" indent="0">
-              <a:buNone/>
-              <a:defRPr sz="472" b="1"/>
+            <a:lvl7pPr marL="836950" indent="0">
+              <a:buNone/>
+              <a:defRPr sz="488" b="1"/>
             </a:lvl7pPr>
-            <a:lvl8pPr marL="945078" indent="0">
-              <a:buNone/>
-              <a:defRPr sz="472" b="1"/>
+            <a:lvl8pPr marL="976442" indent="0">
+              <a:buNone/>
+              <a:defRPr sz="488" b="1"/>
             </a:lvl8pPr>
-            <a:lvl9pPr marL="1080089" indent="0">
-              <a:buNone/>
-              <a:defRPr sz="472" b="1"/>
+            <a:lvl9pPr marL="1115934" indent="0">
+              <a:buNone/>
+              <a:defRPr sz="488" b="1"/>
             </a:lvl9pPr>
           </a:lstStyle>
           <a:p>
@@ -1557,8 +1557,8 @@
         </p:nvSpPr>
         <p:spPr>
           <a:xfrm>
-            <a:off x="1822728" y="835025"/>
-            <a:ext cx="1530660" cy="1228196"/>
+            <a:off x="1883004" y="815309"/>
+            <a:ext cx="1581277" cy="1199197"/>
           </a:xfrm>
         </p:spPr>
         <p:txBody>
@@ -1619,7 +1619,7 @@
           <a:p>
             <a:fld id="{F464B299-6CB9-D24A-96F2-2CC94620154A}" type="datetimeFigureOut">
               <a:rPr kumimoji="1" lang="ko-Kore-KR" altLang="en-US" smtClean="0"/>
-              <a:t>2025. 1. 30.</a:t>
+              <a:t>2025. 2. 11.</a:t>
             </a:fld>
             <a:endParaRPr kumimoji="1" lang="ko-Kore-KR" altLang="en-US"/>
           </a:p>
@@ -1670,7 +1670,7 @@
     </p:spTree>
     <p:extLst>
       <p:ext uri="{BB962C8B-B14F-4D97-AF65-F5344CB8AC3E}">
-        <p14:creationId xmlns:p14="http://schemas.microsoft.com/office/powerpoint/2010/main" val="749942151"/>
+        <p14:creationId xmlns:p14="http://schemas.microsoft.com/office/powerpoint/2010/main" val="1741546016"/>
       </p:ext>
     </p:extLst>
   </p:cSld>
@@ -1737,7 +1737,7 @@
           <a:p>
             <a:fld id="{F464B299-6CB9-D24A-96F2-2CC94620154A}" type="datetimeFigureOut">
               <a:rPr kumimoji="1" lang="ko-Kore-KR" altLang="en-US" smtClean="0"/>
-              <a:t>2025. 1. 30.</a:t>
+              <a:t>2025. 2. 11.</a:t>
             </a:fld>
             <a:endParaRPr kumimoji="1" lang="ko-Kore-KR" altLang="en-US"/>
           </a:p>
@@ -1788,7 +1788,7 @@
     </p:spTree>
     <p:extLst>
       <p:ext uri="{BB962C8B-B14F-4D97-AF65-F5344CB8AC3E}">
-        <p14:creationId xmlns:p14="http://schemas.microsoft.com/office/powerpoint/2010/main" val="3748124790"/>
+        <p14:creationId xmlns:p14="http://schemas.microsoft.com/office/powerpoint/2010/main" val="2872210195"/>
       </p:ext>
     </p:extLst>
   </p:cSld>
@@ -1832,7 +1832,7 @@
           <a:p>
             <a:fld id="{F464B299-6CB9-D24A-96F2-2CC94620154A}" type="datetimeFigureOut">
               <a:rPr kumimoji="1" lang="ko-Kore-KR" altLang="en-US" smtClean="0"/>
-              <a:t>2025. 1. 30.</a:t>
+              <a:t>2025. 2. 11.</a:t>
             </a:fld>
             <a:endParaRPr kumimoji="1" lang="ko-Kore-KR" altLang="en-US"/>
           </a:p>
@@ -1883,7 +1883,7 @@
     </p:spTree>
     <p:extLst>
       <p:ext uri="{BB962C8B-B14F-4D97-AF65-F5344CB8AC3E}">
-        <p14:creationId xmlns:p14="http://schemas.microsoft.com/office/powerpoint/2010/main" val="3421515256"/>
+        <p14:creationId xmlns:p14="http://schemas.microsoft.com/office/powerpoint/2010/main" val="2528219762"/>
       </p:ext>
     </p:extLst>
   </p:cSld>
@@ -1922,15 +1922,15 @@
         </p:nvSpPr>
         <p:spPr>
           <a:xfrm>
-            <a:off x="248000" y="152400"/>
-            <a:ext cx="1161239" cy="533400"/>
+            <a:off x="256201" y="148802"/>
+            <a:ext cx="1199640" cy="520806"/>
           </a:xfrm>
         </p:spPr>
         <p:txBody>
           <a:bodyPr anchor="b"/>
           <a:lstStyle>
             <a:lvl1pPr>
-              <a:defRPr sz="945"/>
+              <a:defRPr sz="976"/>
             </a:lvl1pPr>
           </a:lstStyle>
           <a:p>
@@ -1954,39 +1954,39 @@
         </p:nvSpPr>
         <p:spPr>
           <a:xfrm>
-            <a:off x="1530660" y="329142"/>
-            <a:ext cx="1822728" cy="1624542"/>
+            <a:off x="1581278" y="321371"/>
+            <a:ext cx="1883003" cy="1586184"/>
           </a:xfrm>
         </p:spPr>
         <p:txBody>
           <a:bodyPr/>
           <a:lstStyle>
             <a:lvl1pPr>
-              <a:defRPr sz="945"/>
+              <a:defRPr sz="976"/>
             </a:lvl1pPr>
             <a:lvl2pPr>
-              <a:defRPr sz="827"/>
+              <a:defRPr sz="854"/>
             </a:lvl2pPr>
             <a:lvl3pPr>
-              <a:defRPr sz="709"/>
+              <a:defRPr sz="732"/>
             </a:lvl3pPr>
             <a:lvl4pPr>
-              <a:defRPr sz="591"/>
+              <a:defRPr sz="610"/>
             </a:lvl4pPr>
             <a:lvl5pPr>
-              <a:defRPr sz="591"/>
+              <a:defRPr sz="610"/>
             </a:lvl5pPr>
             <a:lvl6pPr>
-              <a:defRPr sz="591"/>
+              <a:defRPr sz="610"/>
             </a:lvl6pPr>
             <a:lvl7pPr>
-              <a:defRPr sz="591"/>
+              <a:defRPr sz="610"/>
             </a:lvl7pPr>
             <a:lvl8pPr>
-              <a:defRPr sz="591"/>
+              <a:defRPr sz="610"/>
             </a:lvl8pPr>
             <a:lvl9pPr>
-              <a:defRPr sz="591"/>
+              <a:defRPr sz="610"/>
             </a:lvl9pPr>
           </a:lstStyle>
           <a:p>
@@ -2039,8 +2039,8 @@
         </p:nvSpPr>
         <p:spPr>
           <a:xfrm>
-            <a:off x="248000" y="685800"/>
-            <a:ext cx="1161239" cy="1270529"/>
+            <a:off x="256201" y="669607"/>
+            <a:ext cx="1199640" cy="1240531"/>
           </a:xfrm>
         </p:spPr>
         <p:txBody>
@@ -2048,39 +2048,39 @@
           <a:lstStyle>
             <a:lvl1pPr marL="0" indent="0">
               <a:buNone/>
-              <a:defRPr sz="472"/>
+              <a:defRPr sz="488"/>
             </a:lvl1pPr>
-            <a:lvl2pPr marL="135011" indent="0">
-              <a:buNone/>
-              <a:defRPr sz="413"/>
+            <a:lvl2pPr marL="139492" indent="0">
+              <a:buNone/>
+              <a:defRPr sz="427"/>
             </a:lvl2pPr>
-            <a:lvl3pPr marL="270022" indent="0">
-              <a:buNone/>
-              <a:defRPr sz="354"/>
+            <a:lvl3pPr marL="278983" indent="0">
+              <a:buNone/>
+              <a:defRPr sz="366"/>
             </a:lvl3pPr>
-            <a:lvl4pPr marL="405033" indent="0">
-              <a:buNone/>
-              <a:defRPr sz="295"/>
+            <a:lvl4pPr marL="418475" indent="0">
+              <a:buNone/>
+              <a:defRPr sz="305"/>
             </a:lvl4pPr>
-            <a:lvl5pPr marL="540045" indent="0">
-              <a:buNone/>
-              <a:defRPr sz="295"/>
+            <a:lvl5pPr marL="557967" indent="0">
+              <a:buNone/>
+              <a:defRPr sz="305"/>
             </a:lvl5pPr>
-            <a:lvl6pPr marL="675056" indent="0">
-              <a:buNone/>
-              <a:defRPr sz="295"/>
+            <a:lvl6pPr marL="697459" indent="0">
+              <a:buNone/>
+              <a:defRPr sz="305"/>
             </a:lvl6pPr>
-            <a:lvl7pPr marL="810067" indent="0">
-              <a:buNone/>
-              <a:defRPr sz="295"/>
+            <a:lvl7pPr marL="836950" indent="0">
+              <a:buNone/>
+              <a:defRPr sz="305"/>
             </a:lvl7pPr>
-            <a:lvl8pPr marL="945078" indent="0">
-              <a:buNone/>
-              <a:defRPr sz="295"/>
+            <a:lvl8pPr marL="976442" indent="0">
+              <a:buNone/>
+              <a:defRPr sz="305"/>
             </a:lvl8pPr>
-            <a:lvl9pPr marL="1080089" indent="0">
-              <a:buNone/>
-              <a:defRPr sz="295"/>
+            <a:lvl9pPr marL="1115934" indent="0">
+              <a:buNone/>
+              <a:defRPr sz="305"/>
             </a:lvl9pPr>
           </a:lstStyle>
           <a:p>
@@ -2109,7 +2109,7 @@
           <a:p>
             <a:fld id="{F464B299-6CB9-D24A-96F2-2CC94620154A}" type="datetimeFigureOut">
               <a:rPr kumimoji="1" lang="ko-Kore-KR" altLang="en-US" smtClean="0"/>
-              <a:t>2025. 1. 30.</a:t>
+              <a:t>2025. 2. 11.</a:t>
             </a:fld>
             <a:endParaRPr kumimoji="1" lang="ko-Kore-KR" altLang="en-US"/>
           </a:p>
@@ -2160,7 +2160,7 @@
     </p:spTree>
     <p:extLst>
       <p:ext uri="{BB962C8B-B14F-4D97-AF65-F5344CB8AC3E}">
-        <p14:creationId xmlns:p14="http://schemas.microsoft.com/office/powerpoint/2010/main" val="2094705372"/>
+        <p14:creationId xmlns:p14="http://schemas.microsoft.com/office/powerpoint/2010/main" val="1554982915"/>
       </p:ext>
     </p:extLst>
   </p:cSld>
@@ -2199,15 +2199,15 @@
         </p:nvSpPr>
         <p:spPr>
           <a:xfrm>
-            <a:off x="248000" y="152400"/>
-            <a:ext cx="1161239" cy="533400"/>
+            <a:off x="256201" y="148802"/>
+            <a:ext cx="1199640" cy="520806"/>
           </a:xfrm>
         </p:spPr>
         <p:txBody>
           <a:bodyPr anchor="b"/>
           <a:lstStyle>
             <a:lvl1pPr>
-              <a:defRPr sz="945"/>
+              <a:defRPr sz="976"/>
             </a:lvl1pPr>
           </a:lstStyle>
           <a:p>
@@ -2231,8 +2231,8 @@
         </p:nvSpPr>
         <p:spPr>
           <a:xfrm>
-            <a:off x="1530660" y="329142"/>
-            <a:ext cx="1822728" cy="1624542"/>
+            <a:off x="1581278" y="321371"/>
+            <a:ext cx="1883003" cy="1586184"/>
           </a:xfrm>
         </p:spPr>
         <p:txBody>
@@ -2240,39 +2240,39 @@
           <a:lstStyle>
             <a:lvl1pPr marL="0" indent="0">
               <a:buNone/>
-              <a:defRPr sz="945"/>
+              <a:defRPr sz="976"/>
             </a:lvl1pPr>
-            <a:lvl2pPr marL="135011" indent="0">
-              <a:buNone/>
-              <a:defRPr sz="827"/>
+            <a:lvl2pPr marL="139492" indent="0">
+              <a:buNone/>
+              <a:defRPr sz="854"/>
             </a:lvl2pPr>
-            <a:lvl3pPr marL="270022" indent="0">
-              <a:buNone/>
-              <a:defRPr sz="709"/>
+            <a:lvl3pPr marL="278983" indent="0">
+              <a:buNone/>
+              <a:defRPr sz="732"/>
             </a:lvl3pPr>
-            <a:lvl4pPr marL="405033" indent="0">
-              <a:buNone/>
-              <a:defRPr sz="591"/>
+            <a:lvl4pPr marL="418475" indent="0">
+              <a:buNone/>
+              <a:defRPr sz="610"/>
             </a:lvl4pPr>
-            <a:lvl5pPr marL="540045" indent="0">
-              <a:buNone/>
-              <a:defRPr sz="591"/>
+            <a:lvl5pPr marL="557967" indent="0">
+              <a:buNone/>
+              <a:defRPr sz="610"/>
             </a:lvl5pPr>
-            <a:lvl6pPr marL="675056" indent="0">
-              <a:buNone/>
-              <a:defRPr sz="591"/>
+            <a:lvl6pPr marL="697459" indent="0">
+              <a:buNone/>
+              <a:defRPr sz="610"/>
             </a:lvl6pPr>
-            <a:lvl7pPr marL="810067" indent="0">
-              <a:buNone/>
-              <a:defRPr sz="591"/>
+            <a:lvl7pPr marL="836950" indent="0">
+              <a:buNone/>
+              <a:defRPr sz="610"/>
             </a:lvl7pPr>
-            <a:lvl8pPr marL="945078" indent="0">
-              <a:buNone/>
-              <a:defRPr sz="591"/>
+            <a:lvl8pPr marL="976442" indent="0">
+              <a:buNone/>
+              <a:defRPr sz="610"/>
             </a:lvl8pPr>
-            <a:lvl9pPr marL="1080089" indent="0">
-              <a:buNone/>
-              <a:defRPr sz="591"/>
+            <a:lvl9pPr marL="1115934" indent="0">
+              <a:buNone/>
+              <a:defRPr sz="610"/>
             </a:lvl9pPr>
           </a:lstStyle>
           <a:p>
@@ -2296,8 +2296,8 @@
         </p:nvSpPr>
         <p:spPr>
           <a:xfrm>
-            <a:off x="248000" y="685800"/>
-            <a:ext cx="1161239" cy="1270529"/>
+            <a:off x="256201" y="669607"/>
+            <a:ext cx="1199640" cy="1240531"/>
           </a:xfrm>
         </p:spPr>
         <p:txBody>
@@ -2305,39 +2305,39 @@
           <a:lstStyle>
             <a:lvl1pPr marL="0" indent="0">
               <a:buNone/>
-              <a:defRPr sz="472"/>
+              <a:defRPr sz="488"/>
             </a:lvl1pPr>
-            <a:lvl2pPr marL="135011" indent="0">
-              <a:buNone/>
-              <a:defRPr sz="413"/>
+            <a:lvl2pPr marL="139492" indent="0">
+              <a:buNone/>
+              <a:defRPr sz="427"/>
             </a:lvl2pPr>
-            <a:lvl3pPr marL="270022" indent="0">
-              <a:buNone/>
-              <a:defRPr sz="354"/>
+            <a:lvl3pPr marL="278983" indent="0">
+              <a:buNone/>
+              <a:defRPr sz="366"/>
             </a:lvl3pPr>
-            <a:lvl4pPr marL="405033" indent="0">
-              <a:buNone/>
-              <a:defRPr sz="295"/>
+            <a:lvl4pPr marL="418475" indent="0">
+              <a:buNone/>
+              <a:defRPr sz="305"/>
             </a:lvl4pPr>
-            <a:lvl5pPr marL="540045" indent="0">
-              <a:buNone/>
-              <a:defRPr sz="295"/>
+            <a:lvl5pPr marL="557967" indent="0">
+              <a:buNone/>
+              <a:defRPr sz="305"/>
             </a:lvl5pPr>
-            <a:lvl6pPr marL="675056" indent="0">
-              <a:buNone/>
-              <a:defRPr sz="295"/>
+            <a:lvl6pPr marL="697459" indent="0">
+              <a:buNone/>
+              <a:defRPr sz="305"/>
             </a:lvl6pPr>
-            <a:lvl7pPr marL="810067" indent="0">
-              <a:buNone/>
-              <a:defRPr sz="295"/>
+            <a:lvl7pPr marL="836950" indent="0">
+              <a:buNone/>
+              <a:defRPr sz="305"/>
             </a:lvl7pPr>
-            <a:lvl8pPr marL="945078" indent="0">
-              <a:buNone/>
-              <a:defRPr sz="295"/>
+            <a:lvl8pPr marL="976442" indent="0">
+              <a:buNone/>
+              <a:defRPr sz="305"/>
             </a:lvl8pPr>
-            <a:lvl9pPr marL="1080089" indent="0">
-              <a:buNone/>
-              <a:defRPr sz="295"/>
+            <a:lvl9pPr marL="1115934" indent="0">
+              <a:buNone/>
+              <a:defRPr sz="305"/>
             </a:lvl9pPr>
           </a:lstStyle>
           <a:p>
@@ -2366,7 +2366,7 @@
           <a:p>
             <a:fld id="{F464B299-6CB9-D24A-96F2-2CC94620154A}" type="datetimeFigureOut">
               <a:rPr kumimoji="1" lang="ko-Kore-KR" altLang="en-US" smtClean="0"/>
-              <a:t>2025. 1. 30.</a:t>
+              <a:t>2025. 2. 11.</a:t>
             </a:fld>
             <a:endParaRPr kumimoji="1" lang="ko-Kore-KR" altLang="en-US"/>
           </a:p>
@@ -2417,7 +2417,7 @@
     </p:spTree>
     <p:extLst>
       <p:ext uri="{BB962C8B-B14F-4D97-AF65-F5344CB8AC3E}">
-        <p14:creationId xmlns:p14="http://schemas.microsoft.com/office/powerpoint/2010/main" val="1827381014"/>
+        <p14:creationId xmlns:p14="http://schemas.microsoft.com/office/powerpoint/2010/main" val="706241803"/>
       </p:ext>
     </p:extLst>
   </p:cSld>
@@ -2461,8 +2461,8 @@
         </p:nvSpPr>
         <p:spPr>
           <a:xfrm>
-            <a:off x="247531" y="121709"/>
-            <a:ext cx="3105388" cy="441854"/>
+            <a:off x="255717" y="118835"/>
+            <a:ext cx="3208080" cy="431422"/>
           </a:xfrm>
           <a:prstGeom prst="rect">
             <a:avLst/>
@@ -2494,8 +2494,8 @@
         </p:nvSpPr>
         <p:spPr>
           <a:xfrm>
-            <a:off x="247531" y="608542"/>
-            <a:ext cx="3105388" cy="1450446"/>
+            <a:off x="255717" y="594174"/>
+            <a:ext cx="3208080" cy="1416199"/>
           </a:xfrm>
           <a:prstGeom prst="rect">
             <a:avLst/>
@@ -2556,8 +2556,8 @@
         </p:nvSpPr>
         <p:spPr>
           <a:xfrm>
-            <a:off x="247531" y="2118784"/>
-            <a:ext cx="810101" cy="121708"/>
+            <a:off x="255717" y="2068756"/>
+            <a:ext cx="836890" cy="118835"/>
           </a:xfrm>
           <a:prstGeom prst="rect">
             <a:avLst/>
@@ -2567,7 +2567,7 @@
           <a:bodyPr vert="horz" lIns="91440" tIns="45720" rIns="91440" bIns="45720" rtlCol="0" anchor="ctr"/>
           <a:lstStyle>
             <a:lvl1pPr algn="l">
-              <a:defRPr sz="354">
+              <a:defRPr sz="366">
                 <a:solidFill>
                   <a:schemeClr val="tx1">
                     <a:tint val="75000"/>
@@ -2579,7 +2579,7 @@
           <a:p>
             <a:fld id="{F464B299-6CB9-D24A-96F2-2CC94620154A}" type="datetimeFigureOut">
               <a:rPr kumimoji="1" lang="ko-Kore-KR" altLang="en-US" smtClean="0"/>
-              <a:t>2025. 1. 30.</a:t>
+              <a:t>2025. 2. 11.</a:t>
             </a:fld>
             <a:endParaRPr kumimoji="1" lang="ko-Kore-KR" altLang="en-US"/>
           </a:p>
@@ -2597,8 +2597,8 @@
         </p:nvSpPr>
         <p:spPr>
           <a:xfrm>
-            <a:off x="1192649" y="2118784"/>
-            <a:ext cx="1215152" cy="121708"/>
+            <a:off x="1232089" y="2068756"/>
+            <a:ext cx="1255336" cy="118835"/>
           </a:xfrm>
           <a:prstGeom prst="rect">
             <a:avLst/>
@@ -2608,7 +2608,7 @@
           <a:bodyPr vert="horz" lIns="91440" tIns="45720" rIns="91440" bIns="45720" rtlCol="0" anchor="ctr"/>
           <a:lstStyle>
             <a:lvl1pPr algn="ctr">
-              <a:defRPr sz="354">
+              <a:defRPr sz="366">
                 <a:solidFill>
                   <a:schemeClr val="tx1">
                     <a:tint val="75000"/>
@@ -2634,8 +2634,8 @@
         </p:nvSpPr>
         <p:spPr>
           <a:xfrm>
-            <a:off x="2542818" y="2118784"/>
-            <a:ext cx="810101" cy="121708"/>
+            <a:off x="2626906" y="2068756"/>
+            <a:ext cx="836890" cy="118835"/>
           </a:xfrm>
           <a:prstGeom prst="rect">
             <a:avLst/>
@@ -2645,7 +2645,7 @@
           <a:bodyPr vert="horz" lIns="91440" tIns="45720" rIns="91440" bIns="45720" rtlCol="0" anchor="ctr"/>
           <a:lstStyle>
             <a:lvl1pPr algn="r">
-              <a:defRPr sz="354">
+              <a:defRPr sz="366">
                 <a:solidFill>
                   <a:schemeClr val="tx1">
                     <a:tint val="75000"/>
@@ -2666,27 +2666,27 @@
     </p:spTree>
     <p:extLst>
       <p:ext uri="{BB962C8B-B14F-4D97-AF65-F5344CB8AC3E}">
-        <p14:creationId xmlns:p14="http://schemas.microsoft.com/office/powerpoint/2010/main" val="3763949866"/>
+        <p14:creationId xmlns:p14="http://schemas.microsoft.com/office/powerpoint/2010/main" val="1041301339"/>
       </p:ext>
     </p:extLst>
   </p:cSld>
   <p:clrMap bg1="lt1" tx1="dk1" bg2="lt2" tx2="dk2" accent1="accent1" accent2="accent2" accent3="accent3" accent4="accent4" accent5="accent5" accent6="accent6" hlink="hlink" folHlink="folHlink"/>
   <p:sldLayoutIdLst>
-    <p:sldLayoutId id="2147483769" r:id="rId1"/>
-    <p:sldLayoutId id="2147483770" r:id="rId2"/>
-    <p:sldLayoutId id="2147483771" r:id="rId3"/>
-    <p:sldLayoutId id="2147483772" r:id="rId4"/>
-    <p:sldLayoutId id="2147483773" r:id="rId5"/>
-    <p:sldLayoutId id="2147483774" r:id="rId6"/>
-    <p:sldLayoutId id="2147483775" r:id="rId7"/>
-    <p:sldLayoutId id="2147483776" r:id="rId8"/>
-    <p:sldLayoutId id="2147483777" r:id="rId9"/>
-    <p:sldLayoutId id="2147483778" r:id="rId10"/>
-    <p:sldLayoutId id="2147483779" r:id="rId11"/>
+    <p:sldLayoutId id="2147483829" r:id="rId1"/>
+    <p:sldLayoutId id="2147483830" r:id="rId2"/>
+    <p:sldLayoutId id="2147483831" r:id="rId3"/>
+    <p:sldLayoutId id="2147483832" r:id="rId4"/>
+    <p:sldLayoutId id="2147483833" r:id="rId5"/>
+    <p:sldLayoutId id="2147483834" r:id="rId6"/>
+    <p:sldLayoutId id="2147483835" r:id="rId7"/>
+    <p:sldLayoutId id="2147483836" r:id="rId8"/>
+    <p:sldLayoutId id="2147483837" r:id="rId9"/>
+    <p:sldLayoutId id="2147483838" r:id="rId10"/>
+    <p:sldLayoutId id="2147483839" r:id="rId11"/>
   </p:sldLayoutIdLst>
   <p:txStyles>
     <p:titleStyle>
-      <a:lvl1pPr algn="l" defTabSz="270022" rtl="0" eaLnBrk="1" latinLnBrk="0" hangingPunct="1">
+      <a:lvl1pPr algn="l" defTabSz="278983" rtl="0" eaLnBrk="1" latinLnBrk="0" hangingPunct="1">
         <a:lnSpc>
           <a:spcPct val="90000"/>
         </a:lnSpc>
@@ -2694,7 +2694,7 @@
           <a:spcPct val="0"/>
         </a:spcBef>
         <a:buNone/>
-        <a:defRPr sz="1299" kern="1200">
+        <a:defRPr sz="1342" kern="1200">
           <a:solidFill>
             <a:schemeClr val="tx1"/>
           </a:solidFill>
@@ -2705,16 +2705,16 @@
       </a:lvl1pPr>
     </p:titleStyle>
     <p:bodyStyle>
-      <a:lvl1pPr marL="67506" indent="-67506" algn="l" defTabSz="270022" rtl="0" eaLnBrk="1" latinLnBrk="0" hangingPunct="1">
+      <a:lvl1pPr marL="69746" indent="-69746" algn="l" defTabSz="278983" rtl="0" eaLnBrk="1" latinLnBrk="0" hangingPunct="1">
         <a:lnSpc>
           <a:spcPct val="90000"/>
         </a:lnSpc>
         <a:spcBef>
-          <a:spcPts val="295"/>
+          <a:spcPts val="305"/>
         </a:spcBef>
         <a:buFont typeface="Arial" panose="020B0604020202020204" pitchFamily="34" charset="0"/>
         <a:buChar char="•"/>
-        <a:defRPr sz="827" kern="1200">
+        <a:defRPr sz="854" kern="1200">
           <a:solidFill>
             <a:schemeClr val="tx1"/>
           </a:solidFill>
@@ -2723,16 +2723,16 @@
           <a:cs typeface="+mn-cs"/>
         </a:defRPr>
       </a:lvl1pPr>
-      <a:lvl2pPr marL="202517" indent="-67506" algn="l" defTabSz="270022" rtl="0" eaLnBrk="1" latinLnBrk="0" hangingPunct="1">
+      <a:lvl2pPr marL="209238" indent="-69746" algn="l" defTabSz="278983" rtl="0" eaLnBrk="1" latinLnBrk="0" hangingPunct="1">
         <a:lnSpc>
           <a:spcPct val="90000"/>
         </a:lnSpc>
         <a:spcBef>
-          <a:spcPts val="148"/>
+          <a:spcPts val="153"/>
         </a:spcBef>
         <a:buFont typeface="Arial" panose="020B0604020202020204" pitchFamily="34" charset="0"/>
         <a:buChar char="•"/>
-        <a:defRPr sz="709" kern="1200">
+        <a:defRPr sz="732" kern="1200">
           <a:solidFill>
             <a:schemeClr val="tx1"/>
           </a:solidFill>
@@ -2741,16 +2741,16 @@
           <a:cs typeface="+mn-cs"/>
         </a:defRPr>
       </a:lvl2pPr>
-      <a:lvl3pPr marL="337528" indent="-67506" algn="l" defTabSz="270022" rtl="0" eaLnBrk="1" latinLnBrk="0" hangingPunct="1">
+      <a:lvl3pPr marL="348729" indent="-69746" algn="l" defTabSz="278983" rtl="0" eaLnBrk="1" latinLnBrk="0" hangingPunct="1">
         <a:lnSpc>
           <a:spcPct val="90000"/>
         </a:lnSpc>
         <a:spcBef>
-          <a:spcPts val="148"/>
+          <a:spcPts val="153"/>
         </a:spcBef>
         <a:buFont typeface="Arial" panose="020B0604020202020204" pitchFamily="34" charset="0"/>
         <a:buChar char="•"/>
-        <a:defRPr sz="591" kern="1200">
+        <a:defRPr sz="610" kern="1200">
           <a:solidFill>
             <a:schemeClr val="tx1"/>
           </a:solidFill>
@@ -2759,16 +2759,16 @@
           <a:cs typeface="+mn-cs"/>
         </a:defRPr>
       </a:lvl3pPr>
-      <a:lvl4pPr marL="472539" indent="-67506" algn="l" defTabSz="270022" rtl="0" eaLnBrk="1" latinLnBrk="0" hangingPunct="1">
+      <a:lvl4pPr marL="488221" indent="-69746" algn="l" defTabSz="278983" rtl="0" eaLnBrk="1" latinLnBrk="0" hangingPunct="1">
         <a:lnSpc>
           <a:spcPct val="90000"/>
         </a:lnSpc>
         <a:spcBef>
-          <a:spcPts val="148"/>
+          <a:spcPts val="153"/>
         </a:spcBef>
         <a:buFont typeface="Arial" panose="020B0604020202020204" pitchFamily="34" charset="0"/>
         <a:buChar char="•"/>
-        <a:defRPr sz="532" kern="1200">
+        <a:defRPr sz="549" kern="1200">
           <a:solidFill>
             <a:schemeClr val="tx1"/>
           </a:solidFill>
@@ -2777,16 +2777,16 @@
           <a:cs typeface="+mn-cs"/>
         </a:defRPr>
       </a:lvl4pPr>
-      <a:lvl5pPr marL="607550" indent="-67506" algn="l" defTabSz="270022" rtl="0" eaLnBrk="1" latinLnBrk="0" hangingPunct="1">
+      <a:lvl5pPr marL="627713" indent="-69746" algn="l" defTabSz="278983" rtl="0" eaLnBrk="1" latinLnBrk="0" hangingPunct="1">
         <a:lnSpc>
           <a:spcPct val="90000"/>
         </a:lnSpc>
         <a:spcBef>
-          <a:spcPts val="148"/>
+          <a:spcPts val="153"/>
         </a:spcBef>
         <a:buFont typeface="Arial" panose="020B0604020202020204" pitchFamily="34" charset="0"/>
         <a:buChar char="•"/>
-        <a:defRPr sz="532" kern="1200">
+        <a:defRPr sz="549" kern="1200">
           <a:solidFill>
             <a:schemeClr val="tx1"/>
           </a:solidFill>
@@ -2795,16 +2795,16 @@
           <a:cs typeface="+mn-cs"/>
         </a:defRPr>
       </a:lvl5pPr>
-      <a:lvl6pPr marL="742561" indent="-67506" algn="l" defTabSz="270022" rtl="0" eaLnBrk="1" latinLnBrk="0" hangingPunct="1">
+      <a:lvl6pPr marL="767204" indent="-69746" algn="l" defTabSz="278983" rtl="0" eaLnBrk="1" latinLnBrk="0" hangingPunct="1">
         <a:lnSpc>
           <a:spcPct val="90000"/>
         </a:lnSpc>
         <a:spcBef>
-          <a:spcPts val="148"/>
+          <a:spcPts val="153"/>
         </a:spcBef>
         <a:buFont typeface="Arial" panose="020B0604020202020204" pitchFamily="34" charset="0"/>
         <a:buChar char="•"/>
-        <a:defRPr sz="532" kern="1200">
+        <a:defRPr sz="549" kern="1200">
           <a:solidFill>
             <a:schemeClr val="tx1"/>
           </a:solidFill>
@@ -2813,16 +2813,16 @@
           <a:cs typeface="+mn-cs"/>
         </a:defRPr>
       </a:lvl6pPr>
-      <a:lvl7pPr marL="877573" indent="-67506" algn="l" defTabSz="270022" rtl="0" eaLnBrk="1" latinLnBrk="0" hangingPunct="1">
+      <a:lvl7pPr marL="906696" indent="-69746" algn="l" defTabSz="278983" rtl="0" eaLnBrk="1" latinLnBrk="0" hangingPunct="1">
         <a:lnSpc>
           <a:spcPct val="90000"/>
         </a:lnSpc>
         <a:spcBef>
-          <a:spcPts val="148"/>
+          <a:spcPts val="153"/>
         </a:spcBef>
         <a:buFont typeface="Arial" panose="020B0604020202020204" pitchFamily="34" charset="0"/>
         <a:buChar char="•"/>
-        <a:defRPr sz="532" kern="1200">
+        <a:defRPr sz="549" kern="1200">
           <a:solidFill>
             <a:schemeClr val="tx1"/>
           </a:solidFill>
@@ -2831,16 +2831,16 @@
           <a:cs typeface="+mn-cs"/>
         </a:defRPr>
       </a:lvl7pPr>
-      <a:lvl8pPr marL="1012584" indent="-67506" algn="l" defTabSz="270022" rtl="0" eaLnBrk="1" latinLnBrk="0" hangingPunct="1">
+      <a:lvl8pPr marL="1046188" indent="-69746" algn="l" defTabSz="278983" rtl="0" eaLnBrk="1" latinLnBrk="0" hangingPunct="1">
         <a:lnSpc>
           <a:spcPct val="90000"/>
         </a:lnSpc>
         <a:spcBef>
-          <a:spcPts val="148"/>
+          <a:spcPts val="153"/>
         </a:spcBef>
         <a:buFont typeface="Arial" panose="020B0604020202020204" pitchFamily="34" charset="0"/>
         <a:buChar char="•"/>
-        <a:defRPr sz="532" kern="1200">
+        <a:defRPr sz="549" kern="1200">
           <a:solidFill>
             <a:schemeClr val="tx1"/>
           </a:solidFill>
@@ -2849,16 +2849,16 @@
           <a:cs typeface="+mn-cs"/>
         </a:defRPr>
       </a:lvl8pPr>
-      <a:lvl9pPr marL="1147595" indent="-67506" algn="l" defTabSz="270022" rtl="0" eaLnBrk="1" latinLnBrk="0" hangingPunct="1">
+      <a:lvl9pPr marL="1185680" indent="-69746" algn="l" defTabSz="278983" rtl="0" eaLnBrk="1" latinLnBrk="0" hangingPunct="1">
         <a:lnSpc>
           <a:spcPct val="90000"/>
         </a:lnSpc>
         <a:spcBef>
-          <a:spcPts val="148"/>
+          <a:spcPts val="153"/>
         </a:spcBef>
         <a:buFont typeface="Arial" panose="020B0604020202020204" pitchFamily="34" charset="0"/>
         <a:buChar char="•"/>
-        <a:defRPr sz="532" kern="1200">
+        <a:defRPr sz="549" kern="1200">
           <a:solidFill>
             <a:schemeClr val="tx1"/>
           </a:solidFill>
@@ -2872,8 +2872,8 @@
       <a:defPPr>
         <a:defRPr lang="en-US"/>
       </a:defPPr>
-      <a:lvl1pPr marL="0" algn="l" defTabSz="270022" rtl="0" eaLnBrk="1" latinLnBrk="0" hangingPunct="1">
-        <a:defRPr sz="532" kern="1200">
+      <a:lvl1pPr marL="0" algn="l" defTabSz="278983" rtl="0" eaLnBrk="1" latinLnBrk="0" hangingPunct="1">
+        <a:defRPr sz="549" kern="1200">
           <a:solidFill>
             <a:schemeClr val="tx1"/>
           </a:solidFill>
@@ -2882,8 +2882,8 @@
           <a:cs typeface="+mn-cs"/>
         </a:defRPr>
       </a:lvl1pPr>
-      <a:lvl2pPr marL="135011" algn="l" defTabSz="270022" rtl="0" eaLnBrk="1" latinLnBrk="0" hangingPunct="1">
-        <a:defRPr sz="532" kern="1200">
+      <a:lvl2pPr marL="139492" algn="l" defTabSz="278983" rtl="0" eaLnBrk="1" latinLnBrk="0" hangingPunct="1">
+        <a:defRPr sz="549" kern="1200">
           <a:solidFill>
             <a:schemeClr val="tx1"/>
           </a:solidFill>
@@ -2892,8 +2892,8 @@
           <a:cs typeface="+mn-cs"/>
         </a:defRPr>
       </a:lvl2pPr>
-      <a:lvl3pPr marL="270022" algn="l" defTabSz="270022" rtl="0" eaLnBrk="1" latinLnBrk="0" hangingPunct="1">
-        <a:defRPr sz="532" kern="1200">
+      <a:lvl3pPr marL="278983" algn="l" defTabSz="278983" rtl="0" eaLnBrk="1" latinLnBrk="0" hangingPunct="1">
+        <a:defRPr sz="549" kern="1200">
           <a:solidFill>
             <a:schemeClr val="tx1"/>
           </a:solidFill>
@@ -2902,8 +2902,8 @@
           <a:cs typeface="+mn-cs"/>
         </a:defRPr>
       </a:lvl3pPr>
-      <a:lvl4pPr marL="405033" algn="l" defTabSz="270022" rtl="0" eaLnBrk="1" latinLnBrk="0" hangingPunct="1">
-        <a:defRPr sz="532" kern="1200">
+      <a:lvl4pPr marL="418475" algn="l" defTabSz="278983" rtl="0" eaLnBrk="1" latinLnBrk="0" hangingPunct="1">
+        <a:defRPr sz="549" kern="1200">
           <a:solidFill>
             <a:schemeClr val="tx1"/>
           </a:solidFill>
@@ -2912,8 +2912,8 @@
           <a:cs typeface="+mn-cs"/>
         </a:defRPr>
       </a:lvl4pPr>
-      <a:lvl5pPr marL="540045" algn="l" defTabSz="270022" rtl="0" eaLnBrk="1" latinLnBrk="0" hangingPunct="1">
-        <a:defRPr sz="532" kern="1200">
+      <a:lvl5pPr marL="557967" algn="l" defTabSz="278983" rtl="0" eaLnBrk="1" latinLnBrk="0" hangingPunct="1">
+        <a:defRPr sz="549" kern="1200">
           <a:solidFill>
             <a:schemeClr val="tx1"/>
           </a:solidFill>
@@ -2922,8 +2922,8 @@
           <a:cs typeface="+mn-cs"/>
         </a:defRPr>
       </a:lvl5pPr>
-      <a:lvl6pPr marL="675056" algn="l" defTabSz="270022" rtl="0" eaLnBrk="1" latinLnBrk="0" hangingPunct="1">
-        <a:defRPr sz="532" kern="1200">
+      <a:lvl6pPr marL="697459" algn="l" defTabSz="278983" rtl="0" eaLnBrk="1" latinLnBrk="0" hangingPunct="1">
+        <a:defRPr sz="549" kern="1200">
           <a:solidFill>
             <a:schemeClr val="tx1"/>
           </a:solidFill>
@@ -2932,8 +2932,8 @@
           <a:cs typeface="+mn-cs"/>
         </a:defRPr>
       </a:lvl6pPr>
-      <a:lvl7pPr marL="810067" algn="l" defTabSz="270022" rtl="0" eaLnBrk="1" latinLnBrk="0" hangingPunct="1">
-        <a:defRPr sz="532" kern="1200">
+      <a:lvl7pPr marL="836950" algn="l" defTabSz="278983" rtl="0" eaLnBrk="1" latinLnBrk="0" hangingPunct="1">
+        <a:defRPr sz="549" kern="1200">
           <a:solidFill>
             <a:schemeClr val="tx1"/>
           </a:solidFill>
@@ -2942,8 +2942,8 @@
           <a:cs typeface="+mn-cs"/>
         </a:defRPr>
       </a:lvl7pPr>
-      <a:lvl8pPr marL="945078" algn="l" defTabSz="270022" rtl="0" eaLnBrk="1" latinLnBrk="0" hangingPunct="1">
-        <a:defRPr sz="532" kern="1200">
+      <a:lvl8pPr marL="976442" algn="l" defTabSz="278983" rtl="0" eaLnBrk="1" latinLnBrk="0" hangingPunct="1">
+        <a:defRPr sz="549" kern="1200">
           <a:solidFill>
             <a:schemeClr val="tx1"/>
           </a:solidFill>
@@ -2952,8 +2952,8 @@
           <a:cs typeface="+mn-cs"/>
         </a:defRPr>
       </a:lvl8pPr>
-      <a:lvl9pPr marL="1080089" algn="l" defTabSz="270022" rtl="0" eaLnBrk="1" latinLnBrk="0" hangingPunct="1">
-        <a:defRPr sz="532" kern="1200">
+      <a:lvl9pPr marL="1115934" algn="l" defTabSz="278983" rtl="0" eaLnBrk="1" latinLnBrk="0" hangingPunct="1">
+        <a:defRPr sz="549" kern="1200">
           <a:solidFill>
             <a:schemeClr val="tx1"/>
           </a:solidFill>
@@ -2986,10 +2986,10 @@
       </p:grpSpPr>
       <p:pic>
         <p:nvPicPr>
-          <p:cNvPr id="9" name="그림 8">
+          <p:cNvPr id="26" name="그림 25">
             <a:extLst>
               <a:ext uri="{FF2B5EF4-FFF2-40B4-BE49-F238E27FC236}">
-                <a16:creationId xmlns:a16="http://schemas.microsoft.com/office/drawing/2014/main" id="{F2CAD3CE-67A1-993E-CA87-F22DC8221DA2}"/>
+                <a16:creationId xmlns:a16="http://schemas.microsoft.com/office/drawing/2014/main" id="{0450383D-3847-0DCB-ACCA-1A6595AE0FFD}"/>
               </a:ext>
             </a:extLst>
           </p:cNvPr>
@@ -3000,69 +3000,48 @@
         </p:nvPicPr>
         <p:blipFill rotWithShape="1">
           <a:blip r:embed="rId2"/>
-          <a:srcRect l="3038" t="2944" r="3166" b="6012"/>
+          <a:srcRect l="1436" t="2834" r="2322" b="2443"/>
           <a:stretch/>
         </p:blipFill>
         <p:spPr>
           <a:xfrm>
-            <a:off x="9994" y="53478"/>
-            <a:ext cx="3580462" cy="2232522"/>
+            <a:off x="-3647" y="3520"/>
+            <a:ext cx="3656733" cy="2228506"/>
           </a:xfrm>
           <a:prstGeom prst="rect">
             <a:avLst/>
           </a:prstGeom>
         </p:spPr>
       </p:pic>
-      <p:sp>
-        <p:nvSpPr>
-          <p:cNvPr id="11" name="TextBox 10">
+      <p:pic>
+        <p:nvPicPr>
+          <p:cNvPr id="27" name="그림 26">
             <a:extLst>
               <a:ext uri="{FF2B5EF4-FFF2-40B4-BE49-F238E27FC236}">
-                <a16:creationId xmlns:a16="http://schemas.microsoft.com/office/drawing/2014/main" id="{22CB38C3-BAB1-196C-EA9A-544428385288}"/>
+                <a16:creationId xmlns:a16="http://schemas.microsoft.com/office/drawing/2014/main" id="{235F62FF-9B5B-4015-AACD-E36259CF952D}"/>
               </a:ext>
             </a:extLst>
           </p:cNvPr>
-          <p:cNvSpPr txBox="1"/>
+          <p:cNvPicPr>
+            <a:picLocks noChangeAspect="1"/>
+          </p:cNvPicPr>
           <p:nvPr/>
-        </p:nvSpPr>
+        </p:nvPicPr>
+        <p:blipFill rotWithShape="1">
+          <a:blip r:embed="rId2"/>
+          <a:srcRect l="1532" t="2834" r="2322" b="2443"/>
+          <a:stretch/>
+        </p:blipFill>
         <p:spPr>
           <a:xfrm>
-            <a:off x="1037816" y="437564"/>
-            <a:ext cx="247184" cy="238527"/>
+            <a:off x="0" y="3519"/>
+            <a:ext cx="3653085" cy="2228506"/>
           </a:xfrm>
           <a:prstGeom prst="rect">
             <a:avLst/>
           </a:prstGeom>
-          <a:noFill/>
         </p:spPr>
-        <p:txBody>
-          <a:bodyPr wrap="none" rtlCol="0">
-            <a:spAutoFit/>
-          </a:bodyPr>
-          <a:lstStyle/>
-          <a:p>
-            <a:r>
-              <a:rPr kumimoji="1" lang="en-US" altLang="ko-Kore-KR" sz="950" dirty="0">
-                <a:solidFill>
-                  <a:schemeClr val="tx1">
-                    <a:lumMod val="50000"/>
-                    <a:lumOff val="50000"/>
-                  </a:schemeClr>
-                </a:solidFill>
-              </a:rPr>
-              <a:t>2</a:t>
-            </a:r>
-            <a:endParaRPr kumimoji="1" lang="ko-Kore-KR" altLang="en-US" sz="950" dirty="0">
-              <a:solidFill>
-                <a:schemeClr val="tx1">
-                  <a:lumMod val="50000"/>
-                  <a:lumOff val="50000"/>
-                </a:schemeClr>
-              </a:solidFill>
-            </a:endParaRPr>
-          </a:p>
-        </p:txBody>
-      </p:sp>
+      </p:pic>
       <p:sp>
         <p:nvSpPr>
           <p:cNvPr id="12" name="TextBox 11">
@@ -3077,7 +3056,7 @@
         </p:nvSpPr>
         <p:spPr>
           <a:xfrm>
-            <a:off x="1543634" y="393621"/>
+            <a:off x="1583913" y="281180"/>
             <a:ext cx="247184" cy="238527"/>
           </a:xfrm>
           <a:prstGeom prst="rect">
@@ -3095,8 +3074,8 @@
               <a:rPr kumimoji="1" lang="en-US" altLang="ko-Kore-KR" sz="950" dirty="0">
                 <a:solidFill>
                   <a:schemeClr val="tx1">
-                    <a:lumMod val="50000"/>
-                    <a:lumOff val="50000"/>
+                    <a:lumMod val="65000"/>
+                    <a:lumOff val="35000"/>
                   </a:schemeClr>
                 </a:solidFill>
               </a:rPr>
@@ -3105,8 +3084,8 @@
             <a:endParaRPr kumimoji="1" lang="ko-Kore-KR" altLang="en-US" sz="950" dirty="0">
               <a:solidFill>
                 <a:schemeClr val="tx1">
-                  <a:lumMod val="50000"/>
-                  <a:lumOff val="50000"/>
+                  <a:lumMod val="65000"/>
+                  <a:lumOff val="35000"/>
                 </a:schemeClr>
               </a:solidFill>
             </a:endParaRPr>
@@ -3127,7 +3106,7 @@
         </p:nvSpPr>
         <p:spPr>
           <a:xfrm>
-            <a:off x="2508526" y="326301"/>
+            <a:off x="2523496" y="250321"/>
             <a:ext cx="247184" cy="238527"/>
           </a:xfrm>
           <a:prstGeom prst="rect">
@@ -3145,8 +3124,8 @@
               <a:rPr kumimoji="1" lang="en-US" altLang="ko-Kore-KR" sz="950" dirty="0">
                 <a:solidFill>
                   <a:schemeClr val="tx1">
-                    <a:lumMod val="50000"/>
-                    <a:lumOff val="50000"/>
+                    <a:lumMod val="65000"/>
+                    <a:lumOff val="35000"/>
                   </a:schemeClr>
                 </a:solidFill>
               </a:rPr>
@@ -3155,8 +3134,8 @@
             <a:endParaRPr kumimoji="1" lang="ko-Kore-KR" altLang="en-US" sz="950" dirty="0">
               <a:solidFill>
                 <a:schemeClr val="tx1">
-                  <a:lumMod val="50000"/>
-                  <a:lumOff val="50000"/>
+                  <a:lumMod val="65000"/>
+                  <a:lumOff val="35000"/>
                 </a:schemeClr>
               </a:solidFill>
             </a:endParaRPr>
@@ -3177,7 +3156,7 @@
         </p:nvSpPr>
         <p:spPr>
           <a:xfrm>
-            <a:off x="802818" y="653008"/>
+            <a:off x="801981" y="546558"/>
             <a:ext cx="247184" cy="238527"/>
           </a:xfrm>
           <a:prstGeom prst="rect">
@@ -3195,8 +3174,8 @@
               <a:rPr kumimoji="1" lang="en-US" altLang="ko-Kore-KR" sz="950" dirty="0">
                 <a:solidFill>
                   <a:schemeClr val="tx1">
-                    <a:lumMod val="50000"/>
-                    <a:lumOff val="50000"/>
+                    <a:lumMod val="65000"/>
+                    <a:lumOff val="35000"/>
                   </a:schemeClr>
                 </a:solidFill>
               </a:rPr>
@@ -3205,8 +3184,8 @@
             <a:endParaRPr kumimoji="1" lang="ko-Kore-KR" altLang="en-US" sz="950" dirty="0">
               <a:solidFill>
                 <a:schemeClr val="tx1">
-                  <a:lumMod val="50000"/>
-                  <a:lumOff val="50000"/>
+                  <a:lumMod val="65000"/>
+                  <a:lumOff val="35000"/>
                 </a:schemeClr>
               </a:solidFill>
             </a:endParaRPr>
@@ -3227,7 +3206,7 @@
         </p:nvSpPr>
         <p:spPr>
           <a:xfrm>
-            <a:off x="1082079" y="1235708"/>
+            <a:off x="1062536" y="1148905"/>
             <a:ext cx="247184" cy="238527"/>
           </a:xfrm>
           <a:prstGeom prst="rect">
@@ -3245,8 +3224,8 @@
               <a:rPr kumimoji="1" lang="en-US" altLang="ko-Kore-KR" sz="950" dirty="0">
                 <a:solidFill>
                   <a:schemeClr val="tx1">
-                    <a:lumMod val="50000"/>
-                    <a:lumOff val="50000"/>
+                    <a:lumMod val="65000"/>
+                    <a:lumOff val="35000"/>
                   </a:schemeClr>
                 </a:solidFill>
               </a:rPr>
@@ -3255,8 +3234,8 @@
             <a:endParaRPr kumimoji="1" lang="ko-Kore-KR" altLang="en-US" sz="950" dirty="0">
               <a:solidFill>
                 <a:schemeClr val="tx1">
-                  <a:lumMod val="50000"/>
-                  <a:lumOff val="50000"/>
+                  <a:lumMod val="65000"/>
+                  <a:lumOff val="35000"/>
                 </a:schemeClr>
               </a:solidFill>
             </a:endParaRPr>
@@ -3277,7 +3256,7 @@
         </p:nvSpPr>
         <p:spPr>
           <a:xfrm>
-            <a:off x="3176560" y="732680"/>
+            <a:off x="3191201" y="765521"/>
             <a:ext cx="309700" cy="238527"/>
           </a:xfrm>
           <a:prstGeom prst="rect">
@@ -3295,8 +3274,8 @@
               <a:rPr kumimoji="1" lang="en-US" altLang="ko-Kore-KR" sz="950" dirty="0">
                 <a:solidFill>
                   <a:schemeClr val="tx1">
-                    <a:lumMod val="50000"/>
-                    <a:lumOff val="50000"/>
+                    <a:lumMod val="65000"/>
+                    <a:lumOff val="35000"/>
                   </a:schemeClr>
                 </a:solidFill>
               </a:rPr>
@@ -3305,8 +3284,8 @@
             <a:endParaRPr kumimoji="1" lang="ko-Kore-KR" altLang="en-US" sz="950" dirty="0">
               <a:solidFill>
                 <a:schemeClr val="tx1">
-                  <a:lumMod val="50000"/>
-                  <a:lumOff val="50000"/>
+                  <a:lumMod val="65000"/>
+                  <a:lumOff val="35000"/>
                 </a:schemeClr>
               </a:solidFill>
             </a:endParaRPr>
@@ -3327,7 +3306,7 @@
         </p:nvSpPr>
         <p:spPr>
           <a:xfrm>
-            <a:off x="785988" y="1067627"/>
+            <a:off x="792718" y="975465"/>
             <a:ext cx="247184" cy="238527"/>
           </a:xfrm>
           <a:prstGeom prst="rect">
@@ -3345,8 +3324,8 @@
               <a:rPr kumimoji="1" lang="en-US" altLang="ko-Kore-KR" sz="950" dirty="0">
                 <a:solidFill>
                   <a:schemeClr val="tx1">
-                    <a:lumMod val="50000"/>
-                    <a:lumOff val="50000"/>
+                    <a:lumMod val="65000"/>
+                    <a:lumOff val="35000"/>
                   </a:schemeClr>
                 </a:solidFill>
               </a:rPr>
@@ -3355,8 +3334,8 @@
             <a:endParaRPr kumimoji="1" lang="ko-Kore-KR" altLang="en-US" sz="950" dirty="0">
               <a:solidFill>
                 <a:schemeClr val="tx1">
-                  <a:lumMod val="50000"/>
-                  <a:lumOff val="50000"/>
+                  <a:lumMod val="65000"/>
+                  <a:lumOff val="35000"/>
                 </a:schemeClr>
               </a:solidFill>
             </a:endParaRPr>
@@ -3377,7 +3356,7 @@
         </p:nvSpPr>
         <p:spPr>
           <a:xfrm>
-            <a:off x="1037816" y="943846"/>
+            <a:off x="1078095" y="831405"/>
             <a:ext cx="247184" cy="238527"/>
           </a:xfrm>
           <a:prstGeom prst="rect">
@@ -3395,8 +3374,8 @@
               <a:rPr kumimoji="1" lang="en-US" altLang="ko-Kore-KR" sz="950" dirty="0">
                 <a:solidFill>
                   <a:schemeClr val="tx1">
-                    <a:lumMod val="50000"/>
-                    <a:lumOff val="50000"/>
+                    <a:lumMod val="65000"/>
+                    <a:lumOff val="35000"/>
                   </a:schemeClr>
                 </a:solidFill>
               </a:rPr>
@@ -3405,8 +3384,8 @@
             <a:endParaRPr kumimoji="1" lang="ko-Kore-KR" altLang="en-US" sz="950" dirty="0">
               <a:solidFill>
                 <a:schemeClr val="tx1">
-                  <a:lumMod val="50000"/>
-                  <a:lumOff val="50000"/>
+                  <a:lumMod val="65000"/>
+                  <a:lumOff val="35000"/>
                 </a:schemeClr>
               </a:solidFill>
             </a:endParaRPr>
@@ -3427,7 +3406,7 @@
         </p:nvSpPr>
         <p:spPr>
           <a:xfrm>
-            <a:off x="1517102" y="870502"/>
+            <a:off x="1561654" y="749515"/>
             <a:ext cx="247184" cy="238527"/>
           </a:xfrm>
           <a:prstGeom prst="rect">
@@ -3445,8 +3424,8 @@
               <a:rPr kumimoji="1" lang="en-US" altLang="ko-Kore-KR" sz="950" dirty="0">
                 <a:solidFill>
                   <a:schemeClr val="tx1">
-                    <a:lumMod val="50000"/>
-                    <a:lumOff val="50000"/>
+                    <a:lumMod val="65000"/>
+                    <a:lumOff val="35000"/>
                   </a:schemeClr>
                 </a:solidFill>
               </a:rPr>
@@ -3455,8 +3434,8 @@
             <a:endParaRPr kumimoji="1" lang="ko-Kore-KR" altLang="en-US" sz="950" dirty="0">
               <a:solidFill>
                 <a:schemeClr val="tx1">
-                  <a:lumMod val="50000"/>
-                  <a:lumOff val="50000"/>
+                  <a:lumMod val="65000"/>
+                  <a:lumOff val="35000"/>
                 </a:schemeClr>
               </a:solidFill>
             </a:endParaRPr>
@@ -3477,7 +3456,7 @@
         </p:nvSpPr>
         <p:spPr>
           <a:xfrm>
-            <a:off x="2473496" y="745372"/>
+            <a:off x="2527769" y="677494"/>
             <a:ext cx="247184" cy="238527"/>
           </a:xfrm>
           <a:prstGeom prst="rect">
@@ -3495,8 +3474,8 @@
               <a:rPr kumimoji="1" lang="en-US" altLang="ko-Kore-KR" sz="950" dirty="0">
                 <a:solidFill>
                   <a:schemeClr val="tx1">
-                    <a:lumMod val="50000"/>
-                    <a:lumOff val="50000"/>
+                    <a:lumMod val="65000"/>
+                    <a:lumOff val="35000"/>
                   </a:schemeClr>
                 </a:solidFill>
               </a:rPr>
@@ -3505,8 +3484,8 @@
             <a:endParaRPr kumimoji="1" lang="ko-Kore-KR" altLang="en-US" sz="950" dirty="0">
               <a:solidFill>
                 <a:schemeClr val="tx1">
-                  <a:lumMod val="50000"/>
-                  <a:lumOff val="50000"/>
+                  <a:lumMod val="65000"/>
+                  <a:lumOff val="35000"/>
                 </a:schemeClr>
               </a:solidFill>
             </a:endParaRPr>
@@ -3527,7 +3506,7 @@
         </p:nvSpPr>
         <p:spPr>
           <a:xfrm>
-            <a:off x="885294" y="1738736"/>
+            <a:off x="899935" y="1643387"/>
             <a:ext cx="247184" cy="238527"/>
           </a:xfrm>
           <a:prstGeom prst="rect">
@@ -3545,8 +3524,8 @@
               <a:rPr kumimoji="1" lang="en-US" altLang="ko-Kore-KR" sz="950" dirty="0">
                 <a:solidFill>
                   <a:schemeClr val="tx1">
-                    <a:lumMod val="50000"/>
-                    <a:lumOff val="50000"/>
+                    <a:lumMod val="65000"/>
+                    <a:lumOff val="35000"/>
                   </a:schemeClr>
                 </a:solidFill>
               </a:rPr>
@@ -3555,8 +3534,8 @@
             <a:endParaRPr kumimoji="1" lang="ko-Kore-KR" altLang="en-US" sz="950" dirty="0">
               <a:solidFill>
                 <a:schemeClr val="tx1">
-                  <a:lumMod val="50000"/>
-                  <a:lumOff val="50000"/>
+                  <a:lumMod val="65000"/>
+                  <a:lumOff val="35000"/>
                 </a:schemeClr>
               </a:solidFill>
             </a:endParaRPr>
@@ -3577,7 +3556,7 @@
         </p:nvSpPr>
         <p:spPr>
           <a:xfrm>
-            <a:off x="1311477" y="1143955"/>
+            <a:off x="1272857" y="1067963"/>
             <a:ext cx="247184" cy="238527"/>
           </a:xfrm>
           <a:prstGeom prst="rect">
@@ -3595,8 +3574,8 @@
               <a:rPr kumimoji="1" lang="en-US" altLang="ko-Kore-KR" sz="950" dirty="0">
                 <a:solidFill>
                   <a:schemeClr val="tx1">
-                    <a:lumMod val="50000"/>
-                    <a:lumOff val="50000"/>
+                    <a:lumMod val="65000"/>
+                    <a:lumOff val="35000"/>
                   </a:schemeClr>
                 </a:solidFill>
               </a:rPr>
@@ -3605,8 +3584,8 @@
             <a:endParaRPr kumimoji="1" lang="ko-Kore-KR" altLang="en-US" sz="950" dirty="0">
               <a:solidFill>
                 <a:schemeClr val="tx1">
-                  <a:lumMod val="50000"/>
-                  <a:lumOff val="50000"/>
+                  <a:lumMod val="65000"/>
+                  <a:lumOff val="35000"/>
                 </a:schemeClr>
               </a:solidFill>
             </a:endParaRPr>
@@ -3615,55 +3594,51 @@
       </p:sp>
       <p:sp>
         <p:nvSpPr>
-          <p:cNvPr id="23" name="타원 22">
+          <p:cNvPr id="5" name="TextBox 4">
             <a:extLst>
               <a:ext uri="{FF2B5EF4-FFF2-40B4-BE49-F238E27FC236}">
-                <a16:creationId xmlns:a16="http://schemas.microsoft.com/office/drawing/2014/main" id="{78D9920E-0E4E-EEAB-03EA-24A970239B0E}"/>
+                <a16:creationId xmlns:a16="http://schemas.microsoft.com/office/drawing/2014/main" id="{784408BC-F6C6-6F01-547B-9F24513A64C2}"/>
               </a:ext>
             </a:extLst>
           </p:cNvPr>
-          <p:cNvSpPr>
-            <a:spLocks/>
-          </p:cNvSpPr>
+          <p:cNvSpPr txBox="1"/>
           <p:nvPr/>
         </p:nvSpPr>
         <p:spPr>
           <a:xfrm>
-            <a:off x="1341962" y="1123665"/>
-            <a:ext cx="90000" cy="90000"/>
+            <a:off x="1082368" y="309614"/>
+            <a:ext cx="247184" cy="238527"/>
           </a:xfrm>
-          <a:prstGeom prst="ellipse">
+          <a:prstGeom prst="rect">
             <a:avLst/>
           </a:prstGeom>
-          <a:solidFill>
-            <a:srgbClr val="9DD285"/>
-          </a:solidFill>
-          <a:ln>
-            <a:noFill/>
-          </a:ln>
+          <a:noFill/>
         </p:spPr>
-        <p:style>
-          <a:lnRef idx="2">
-            <a:schemeClr val="accent1">
-              <a:shade val="50000"/>
-            </a:schemeClr>
-          </a:lnRef>
-          <a:fillRef idx="1">
-            <a:schemeClr val="accent1"/>
-          </a:fillRef>
-          <a:effectRef idx="0">
-            <a:schemeClr val="accent1"/>
-          </a:effectRef>
-          <a:fontRef idx="minor">
-            <a:schemeClr val="lt1"/>
-          </a:fontRef>
-        </p:style>
-        <p:txBody>
-          <a:bodyPr rtlCol="0" anchor="ctr"/>
-          <a:lstStyle/>
-          <a:p>
-            <a:pPr algn="ctr"/>
-            <a:endParaRPr kumimoji="1" lang="ko-Kore-KR" altLang="en-US"/>
+        <p:txBody>
+          <a:bodyPr wrap="none" rtlCol="0">
+            <a:spAutoFit/>
+          </a:bodyPr>
+          <a:lstStyle/>
+          <a:p>
+            <a:r>
+              <a:rPr kumimoji="1" lang="en-US" altLang="ko-Kore-KR" sz="950" dirty="0">
+                <a:solidFill>
+                  <a:schemeClr val="tx1">
+                    <a:lumMod val="65000"/>
+                    <a:lumOff val="35000"/>
+                  </a:schemeClr>
+                </a:solidFill>
+              </a:rPr>
+              <a:t>2</a:t>
+            </a:r>
+            <a:endParaRPr kumimoji="1" lang="ko-Kore-KR" altLang="en-US" sz="950" dirty="0">
+              <a:solidFill>
+                <a:schemeClr val="tx1">
+                  <a:lumMod val="65000"/>
+                  <a:lumOff val="35000"/>
+                </a:schemeClr>
+              </a:solidFill>
+            </a:endParaRPr>
           </a:p>
         </p:txBody>
       </p:sp>

--- a/analysis/figure/compute_vs_performance.pptx
+++ b/analysis/figure/compute_vs_performance.pptx
@@ -5,7 +5,7 @@
     <p:sldMasterId id="2147483828" r:id="rId1"/>
   </p:sldMasterIdLst>
   <p:sldIdLst>
-    <p:sldId id="256" r:id="rId2"/>
+    <p:sldId id="257" r:id="rId2"/>
   </p:sldIdLst>
   <p:sldSz cx="3719513" cy="2232025"/>
   <p:notesSz cx="6858000" cy="9144000"/>
@@ -254,7 +254,7 @@
           <a:p>
             <a:fld id="{F464B299-6CB9-D24A-96F2-2CC94620154A}" type="datetimeFigureOut">
               <a:rPr kumimoji="1" lang="ko-Kore-KR" altLang="en-US" smtClean="0"/>
-              <a:t>2025. 2. 11.</a:t>
+              <a:t>2/20/25</a:t>
             </a:fld>
             <a:endParaRPr kumimoji="1" lang="ko-Kore-KR" altLang="en-US"/>
           </a:p>
@@ -424,7 +424,7 @@
           <a:p>
             <a:fld id="{F464B299-6CB9-D24A-96F2-2CC94620154A}" type="datetimeFigureOut">
               <a:rPr kumimoji="1" lang="ko-Kore-KR" altLang="en-US" smtClean="0"/>
-              <a:t>2025. 2. 11.</a:t>
+              <a:t>2/20/25</a:t>
             </a:fld>
             <a:endParaRPr kumimoji="1" lang="ko-Kore-KR" altLang="en-US"/>
           </a:p>
@@ -604,7 +604,7 @@
           <a:p>
             <a:fld id="{F464B299-6CB9-D24A-96F2-2CC94620154A}" type="datetimeFigureOut">
               <a:rPr kumimoji="1" lang="ko-Kore-KR" altLang="en-US" smtClean="0"/>
-              <a:t>2025. 2. 11.</a:t>
+              <a:t>2/20/25</a:t>
             </a:fld>
             <a:endParaRPr kumimoji="1" lang="ko-Kore-KR" altLang="en-US"/>
           </a:p>
@@ -774,7 +774,7 @@
           <a:p>
             <a:fld id="{F464B299-6CB9-D24A-96F2-2CC94620154A}" type="datetimeFigureOut">
               <a:rPr kumimoji="1" lang="ko-Kore-KR" altLang="en-US" smtClean="0"/>
-              <a:t>2025. 2. 11.</a:t>
+              <a:t>2/20/25</a:t>
             </a:fld>
             <a:endParaRPr kumimoji="1" lang="ko-Kore-KR" altLang="en-US"/>
           </a:p>
@@ -1020,7 +1020,7 @@
           <a:p>
             <a:fld id="{F464B299-6CB9-D24A-96F2-2CC94620154A}" type="datetimeFigureOut">
               <a:rPr kumimoji="1" lang="ko-Kore-KR" altLang="en-US" smtClean="0"/>
-              <a:t>2025. 2. 11.</a:t>
+              <a:t>2/20/25</a:t>
             </a:fld>
             <a:endParaRPr kumimoji="1" lang="ko-Kore-KR" altLang="en-US"/>
           </a:p>
@@ -1252,7 +1252,7 @@
           <a:p>
             <a:fld id="{F464B299-6CB9-D24A-96F2-2CC94620154A}" type="datetimeFigureOut">
               <a:rPr kumimoji="1" lang="ko-Kore-KR" altLang="en-US" smtClean="0"/>
-              <a:t>2025. 2. 11.</a:t>
+              <a:t>2/20/25</a:t>
             </a:fld>
             <a:endParaRPr kumimoji="1" lang="ko-Kore-KR" altLang="en-US"/>
           </a:p>
@@ -1619,7 +1619,7 @@
           <a:p>
             <a:fld id="{F464B299-6CB9-D24A-96F2-2CC94620154A}" type="datetimeFigureOut">
               <a:rPr kumimoji="1" lang="ko-Kore-KR" altLang="en-US" smtClean="0"/>
-              <a:t>2025. 2. 11.</a:t>
+              <a:t>2/20/25</a:t>
             </a:fld>
             <a:endParaRPr kumimoji="1" lang="ko-Kore-KR" altLang="en-US"/>
           </a:p>
@@ -1737,7 +1737,7 @@
           <a:p>
             <a:fld id="{F464B299-6CB9-D24A-96F2-2CC94620154A}" type="datetimeFigureOut">
               <a:rPr kumimoji="1" lang="ko-Kore-KR" altLang="en-US" smtClean="0"/>
-              <a:t>2025. 2. 11.</a:t>
+              <a:t>2/20/25</a:t>
             </a:fld>
             <a:endParaRPr kumimoji="1" lang="ko-Kore-KR" altLang="en-US"/>
           </a:p>
@@ -1832,7 +1832,7 @@
           <a:p>
             <a:fld id="{F464B299-6CB9-D24A-96F2-2CC94620154A}" type="datetimeFigureOut">
               <a:rPr kumimoji="1" lang="ko-Kore-KR" altLang="en-US" smtClean="0"/>
-              <a:t>2025. 2. 11.</a:t>
+              <a:t>2/20/25</a:t>
             </a:fld>
             <a:endParaRPr kumimoji="1" lang="ko-Kore-KR" altLang="en-US"/>
           </a:p>
@@ -2109,7 +2109,7 @@
           <a:p>
             <a:fld id="{F464B299-6CB9-D24A-96F2-2CC94620154A}" type="datetimeFigureOut">
               <a:rPr kumimoji="1" lang="ko-Kore-KR" altLang="en-US" smtClean="0"/>
-              <a:t>2025. 2. 11.</a:t>
+              <a:t>2/20/25</a:t>
             </a:fld>
             <a:endParaRPr kumimoji="1" lang="ko-Kore-KR" altLang="en-US"/>
           </a:p>
@@ -2366,7 +2366,7 @@
           <a:p>
             <a:fld id="{F464B299-6CB9-D24A-96F2-2CC94620154A}" type="datetimeFigureOut">
               <a:rPr kumimoji="1" lang="ko-Kore-KR" altLang="en-US" smtClean="0"/>
-              <a:t>2025. 2. 11.</a:t>
+              <a:t>2/20/25</a:t>
             </a:fld>
             <a:endParaRPr kumimoji="1" lang="ko-Kore-KR" altLang="en-US"/>
           </a:p>
@@ -2579,7 +2579,7 @@
           <a:p>
             <a:fld id="{F464B299-6CB9-D24A-96F2-2CC94620154A}" type="datetimeFigureOut">
               <a:rPr kumimoji="1" lang="ko-Kore-KR" altLang="en-US" smtClean="0"/>
-              <a:t>2025. 2. 11.</a:t>
+              <a:t>2/20/25</a:t>
             </a:fld>
             <a:endParaRPr kumimoji="1" lang="ko-Kore-KR" altLang="en-US"/>
           </a:p>
@@ -2972,7 +2972,13 @@
   <p:cSld>
     <p:spTree>
       <p:nvGrpSpPr>
-        <p:cNvPr id="1" name=""/>
+        <p:cNvPr id="1" name="">
+          <a:extLst>
+            <a:ext uri="{FF2B5EF4-FFF2-40B4-BE49-F238E27FC236}">
+              <a16:creationId xmlns:a16="http://schemas.microsoft.com/office/drawing/2014/main" id="{C2726AE7-1F87-5971-2D1B-4461E09ECC42}"/>
+            </a:ext>
+          </a:extLst>
+        </p:cNvPr>
         <p:cNvGrpSpPr/>
         <p:nvPr/>
       </p:nvGrpSpPr>
@@ -2986,10 +2992,10 @@
       </p:grpSpPr>
       <p:pic>
         <p:nvPicPr>
-          <p:cNvPr id="26" name="그림 25">
+          <p:cNvPr id="4" name="Picture 3">
             <a:extLst>
               <a:ext uri="{FF2B5EF4-FFF2-40B4-BE49-F238E27FC236}">
-                <a16:creationId xmlns:a16="http://schemas.microsoft.com/office/drawing/2014/main" id="{0450383D-3847-0DCB-ACCA-1A6595AE0FFD}"/>
+                <a16:creationId xmlns:a16="http://schemas.microsoft.com/office/drawing/2014/main" id="{709D5FAB-0D2A-8C5F-A10A-FB3DF492F199}"/>
               </a:ext>
             </a:extLst>
           </p:cNvPr>
@@ -3000,54 +3006,25 @@
         </p:nvPicPr>
         <p:blipFill rotWithShape="1">
           <a:blip r:embed="rId2"/>
-          <a:srcRect l="1436" t="2834" r="2322" b="2443"/>
+          <a:srcRect l="1553" t="2973" r="2282" b="2890"/>
           <a:stretch/>
         </p:blipFill>
         <p:spPr>
           <a:xfrm>
-            <a:off x="-3647" y="3520"/>
-            <a:ext cx="3656733" cy="2228506"/>
+            <a:off x="0" y="1"/>
+            <a:ext cx="3682268" cy="2232024"/>
           </a:xfrm>
           <a:prstGeom prst="rect">
             <a:avLst/>
           </a:prstGeom>
         </p:spPr>
       </p:pic>
-      <p:pic>
-        <p:nvPicPr>
-          <p:cNvPr id="27" name="그림 26">
-            <a:extLst>
-              <a:ext uri="{FF2B5EF4-FFF2-40B4-BE49-F238E27FC236}">
-                <a16:creationId xmlns:a16="http://schemas.microsoft.com/office/drawing/2014/main" id="{235F62FF-9B5B-4015-AACD-E36259CF952D}"/>
-              </a:ext>
-            </a:extLst>
-          </p:cNvPr>
-          <p:cNvPicPr>
-            <a:picLocks noChangeAspect="1"/>
-          </p:cNvPicPr>
-          <p:nvPr/>
-        </p:nvPicPr>
-        <p:blipFill rotWithShape="1">
-          <a:blip r:embed="rId2"/>
-          <a:srcRect l="1532" t="2834" r="2322" b="2443"/>
-          <a:stretch/>
-        </p:blipFill>
-        <p:spPr>
-          <a:xfrm>
-            <a:off x="0" y="3519"/>
-            <a:ext cx="3653085" cy="2228506"/>
-          </a:xfrm>
-          <a:prstGeom prst="rect">
-            <a:avLst/>
-          </a:prstGeom>
-        </p:spPr>
-      </p:pic>
       <p:sp>
         <p:nvSpPr>
           <p:cNvPr id="12" name="TextBox 11">
             <a:extLst>
               <a:ext uri="{FF2B5EF4-FFF2-40B4-BE49-F238E27FC236}">
-                <a16:creationId xmlns:a16="http://schemas.microsoft.com/office/drawing/2014/main" id="{AF836F5E-FF18-7F98-7B31-DA733FE0AF60}"/>
+                <a16:creationId xmlns:a16="http://schemas.microsoft.com/office/drawing/2014/main" id="{FE635CC6-5245-5B2D-60EA-6C200A7F0DAF}"/>
               </a:ext>
             </a:extLst>
           </p:cNvPr>
@@ -3056,7 +3033,7 @@
         </p:nvSpPr>
         <p:spPr>
           <a:xfrm>
-            <a:off x="1583913" y="281180"/>
+            <a:off x="1587338" y="267480"/>
             <a:ext cx="247184" cy="238527"/>
           </a:xfrm>
           <a:prstGeom prst="rect">
@@ -3097,7 +3074,7 @@
           <p:cNvPr id="13" name="TextBox 12">
             <a:extLst>
               <a:ext uri="{FF2B5EF4-FFF2-40B4-BE49-F238E27FC236}">
-                <a16:creationId xmlns:a16="http://schemas.microsoft.com/office/drawing/2014/main" id="{ECA91BE2-4C05-B54A-F943-A34019EE49C7}"/>
+                <a16:creationId xmlns:a16="http://schemas.microsoft.com/office/drawing/2014/main" id="{9D736151-5D09-1D24-56CF-22B9DB3C01EB}"/>
               </a:ext>
             </a:extLst>
           </p:cNvPr>
@@ -3106,7 +3083,7 @@
         </p:nvSpPr>
         <p:spPr>
           <a:xfrm>
-            <a:off x="2523496" y="250321"/>
+            <a:off x="2547774" y="250354"/>
             <a:ext cx="247184" cy="238527"/>
           </a:xfrm>
           <a:prstGeom prst="rect">
@@ -3147,7 +3124,7 @@
           <p:cNvPr id="14" name="TextBox 13">
             <a:extLst>
               <a:ext uri="{FF2B5EF4-FFF2-40B4-BE49-F238E27FC236}">
-                <a16:creationId xmlns:a16="http://schemas.microsoft.com/office/drawing/2014/main" id="{F3D21234-C61F-4202-9C7F-EE6B613D7DAC}"/>
+                <a16:creationId xmlns:a16="http://schemas.microsoft.com/office/drawing/2014/main" id="{A96EC4CA-FB8D-018E-3CDE-B2583EB5495E}"/>
               </a:ext>
             </a:extLst>
           </p:cNvPr>
@@ -3156,7 +3133,7 @@
         </p:nvSpPr>
         <p:spPr>
           <a:xfrm>
-            <a:off x="801981" y="546558"/>
+            <a:off x="815352" y="562210"/>
             <a:ext cx="247184" cy="238527"/>
           </a:xfrm>
           <a:prstGeom prst="rect">
@@ -3197,7 +3174,7 @@
           <p:cNvPr id="15" name="TextBox 14">
             <a:extLst>
               <a:ext uri="{FF2B5EF4-FFF2-40B4-BE49-F238E27FC236}">
-                <a16:creationId xmlns:a16="http://schemas.microsoft.com/office/drawing/2014/main" id="{11A212C0-0C70-B77A-71DE-5C96A34E0912}"/>
+                <a16:creationId xmlns:a16="http://schemas.microsoft.com/office/drawing/2014/main" id="{2BAE91CE-27F7-4FF8-F1D4-164C853DDBF0}"/>
               </a:ext>
             </a:extLst>
           </p:cNvPr>
@@ -3206,7 +3183,7 @@
         </p:nvSpPr>
         <p:spPr>
           <a:xfrm>
-            <a:off x="1062536" y="1148905"/>
+            <a:off x="1068870" y="1150362"/>
             <a:ext cx="247184" cy="238527"/>
           </a:xfrm>
           <a:prstGeom prst="rect">
@@ -3247,7 +3224,7 @@
           <p:cNvPr id="16" name="TextBox 15">
             <a:extLst>
               <a:ext uri="{FF2B5EF4-FFF2-40B4-BE49-F238E27FC236}">
-                <a16:creationId xmlns:a16="http://schemas.microsoft.com/office/drawing/2014/main" id="{8B7F30C7-2266-C2CF-1A58-C23BD7DD8CF4}"/>
+                <a16:creationId xmlns:a16="http://schemas.microsoft.com/office/drawing/2014/main" id="{74E35A41-97A7-165F-10F6-3EF85E6814C7}"/>
               </a:ext>
             </a:extLst>
           </p:cNvPr>
@@ -3256,7 +3233,7 @@
         </p:nvSpPr>
         <p:spPr>
           <a:xfrm>
-            <a:off x="3191201" y="765521"/>
+            <a:off x="3217716" y="762317"/>
             <a:ext cx="309700" cy="238527"/>
           </a:xfrm>
           <a:prstGeom prst="rect">
@@ -3297,7 +3274,7 @@
           <p:cNvPr id="17" name="TextBox 16">
             <a:extLst>
               <a:ext uri="{FF2B5EF4-FFF2-40B4-BE49-F238E27FC236}">
-                <a16:creationId xmlns:a16="http://schemas.microsoft.com/office/drawing/2014/main" id="{216F7322-7AFD-D695-92EE-807D52C8E520}"/>
+                <a16:creationId xmlns:a16="http://schemas.microsoft.com/office/drawing/2014/main" id="{BFC94F3A-D71B-C91A-610E-2786F62E1A28}"/>
               </a:ext>
             </a:extLst>
           </p:cNvPr>
@@ -3306,7 +3283,7 @@
         </p:nvSpPr>
         <p:spPr>
           <a:xfrm>
-            <a:off x="792718" y="975465"/>
+            <a:off x="815352" y="972740"/>
             <a:ext cx="247184" cy="238527"/>
           </a:xfrm>
           <a:prstGeom prst="rect">
@@ -3347,7 +3324,7 @@
           <p:cNvPr id="18" name="TextBox 17">
             <a:extLst>
               <a:ext uri="{FF2B5EF4-FFF2-40B4-BE49-F238E27FC236}">
-                <a16:creationId xmlns:a16="http://schemas.microsoft.com/office/drawing/2014/main" id="{8448D818-F065-1311-BCAF-468133BEA226}"/>
+                <a16:creationId xmlns:a16="http://schemas.microsoft.com/office/drawing/2014/main" id="{44ADA298-B381-2203-E571-749A57188DEA}"/>
               </a:ext>
             </a:extLst>
           </p:cNvPr>
@@ -3356,7 +3333,7 @@
         </p:nvSpPr>
         <p:spPr>
           <a:xfrm>
-            <a:off x="1078095" y="831405"/>
+            <a:off x="1091516" y="832861"/>
             <a:ext cx="247184" cy="238527"/>
           </a:xfrm>
           <a:prstGeom prst="rect">
@@ -3397,7 +3374,7 @@
           <p:cNvPr id="19" name="TextBox 18">
             <a:extLst>
               <a:ext uri="{FF2B5EF4-FFF2-40B4-BE49-F238E27FC236}">
-                <a16:creationId xmlns:a16="http://schemas.microsoft.com/office/drawing/2014/main" id="{A9AB7968-752E-27C3-0546-811C7AA7374B}"/>
+                <a16:creationId xmlns:a16="http://schemas.microsoft.com/office/drawing/2014/main" id="{DD2B1D7E-A811-0B94-DC76-F60AD44524B0}"/>
               </a:ext>
             </a:extLst>
           </p:cNvPr>
@@ -3406,7 +3383,7 @@
         </p:nvSpPr>
         <p:spPr>
           <a:xfrm>
-            <a:off x="1561654" y="749515"/>
+            <a:off x="1585436" y="737638"/>
             <a:ext cx="247184" cy="238527"/>
           </a:xfrm>
           <a:prstGeom prst="rect">
@@ -3447,7 +3424,7 @@
           <p:cNvPr id="20" name="TextBox 19">
             <a:extLst>
               <a:ext uri="{FF2B5EF4-FFF2-40B4-BE49-F238E27FC236}">
-                <a16:creationId xmlns:a16="http://schemas.microsoft.com/office/drawing/2014/main" id="{5B122059-1710-564E-3AB6-2B863B42CEB1}"/>
+                <a16:creationId xmlns:a16="http://schemas.microsoft.com/office/drawing/2014/main" id="{DCC2F426-FCA8-DA22-65B0-F887F237D2CB}"/>
               </a:ext>
             </a:extLst>
           </p:cNvPr>
@@ -3456,7 +3433,7 @@
         </p:nvSpPr>
         <p:spPr>
           <a:xfrm>
-            <a:off x="2527769" y="677494"/>
+            <a:off x="2547774" y="678048"/>
             <a:ext cx="247184" cy="238527"/>
           </a:xfrm>
           <a:prstGeom prst="rect">
@@ -3497,7 +3474,7 @@
           <p:cNvPr id="21" name="TextBox 20">
             <a:extLst>
               <a:ext uri="{FF2B5EF4-FFF2-40B4-BE49-F238E27FC236}">
-                <a16:creationId xmlns:a16="http://schemas.microsoft.com/office/drawing/2014/main" id="{AD70005F-C461-3830-854A-F4607D33E0BE}"/>
+                <a16:creationId xmlns:a16="http://schemas.microsoft.com/office/drawing/2014/main" id="{3B152F05-F6FE-AB8A-AF8B-2F63A01779F5}"/>
               </a:ext>
             </a:extLst>
           </p:cNvPr>
@@ -3547,7 +3524,7 @@
           <p:cNvPr id="22" name="TextBox 21">
             <a:extLst>
               <a:ext uri="{FF2B5EF4-FFF2-40B4-BE49-F238E27FC236}">
-                <a16:creationId xmlns:a16="http://schemas.microsoft.com/office/drawing/2014/main" id="{0962BF40-A25C-EDA4-3D99-41AA47B6B9DB}"/>
+                <a16:creationId xmlns:a16="http://schemas.microsoft.com/office/drawing/2014/main" id="{84361791-B40F-E5F3-554D-F02750216E8D}"/>
               </a:ext>
             </a:extLst>
           </p:cNvPr>
@@ -3556,7 +3533,7 @@
         </p:nvSpPr>
         <p:spPr>
           <a:xfrm>
-            <a:off x="1272857" y="1067963"/>
+            <a:off x="1279707" y="1067963"/>
             <a:ext cx="247184" cy="238527"/>
           </a:xfrm>
           <a:prstGeom prst="rect">
@@ -3597,7 +3574,7 @@
           <p:cNvPr id="5" name="TextBox 4">
             <a:extLst>
               <a:ext uri="{FF2B5EF4-FFF2-40B4-BE49-F238E27FC236}">
-                <a16:creationId xmlns:a16="http://schemas.microsoft.com/office/drawing/2014/main" id="{784408BC-F6C6-6F01-547B-9F24513A64C2}"/>
+                <a16:creationId xmlns:a16="http://schemas.microsoft.com/office/drawing/2014/main" id="{A301315F-41D7-147B-B0A4-6D029A6B2E8F}"/>
               </a:ext>
             </a:extLst>
           </p:cNvPr>
@@ -3606,7 +3583,7 @@
         </p:nvSpPr>
         <p:spPr>
           <a:xfrm>
-            <a:off x="1082368" y="309614"/>
+            <a:off x="1091516" y="302283"/>
             <a:ext cx="247184" cy="238527"/>
           </a:xfrm>
           <a:prstGeom prst="rect">
@@ -3645,7 +3622,7 @@
     </p:spTree>
     <p:extLst>
       <p:ext uri="{BB962C8B-B14F-4D97-AF65-F5344CB8AC3E}">
-        <p14:creationId xmlns:p14="http://schemas.microsoft.com/office/powerpoint/2010/main" val="3435040858"/>
+        <p14:creationId xmlns:p14="http://schemas.microsoft.com/office/powerpoint/2010/main" val="1147745468"/>
       </p:ext>
     </p:extLst>
   </p:cSld>
